--- a/SIAMNSD.pptx
+++ b/SIAMNSD.pptx
@@ -12,10 +12,10 @@
     <p:sldId id="551" r:id="rId3"/>
     <p:sldId id="366" r:id="rId4"/>
     <p:sldId id="460" r:id="rId5"/>
-    <p:sldId id="459" r:id="rId6"/>
+    <p:sldId id="550" r:id="rId6"/>
     <p:sldId id="552" r:id="rId7"/>
     <p:sldId id="590" r:id="rId8"/>
-    <p:sldId id="550" r:id="rId9"/>
+    <p:sldId id="459" r:id="rId9"/>
     <p:sldId id="605" r:id="rId10"/>
     <p:sldId id="549" r:id="rId11"/>
     <p:sldId id="604" r:id="rId12"/>
@@ -228,7 +228,7 @@
           <a:p>
             <a:fld id="{1D9512E3-533D-8249-A746-061B26602081}" type="datetimeFigureOut">
               <a:rPr lang="en-US" smtClean="0"/>
-              <a:t>5/6/25</a:t>
+              <a:t>5/11/25</a:t>
             </a:fld>
             <a:endParaRPr lang="en-US"/>
           </a:p>
@@ -845,7 +845,7 @@
           <a:p>
             <a:fld id="{C74DE3F9-B012-4243-B36F-FCB290368F0F}" type="datetimeFigureOut">
               <a:rPr lang="en-US" smtClean="0"/>
-              <a:t>5/6/25</a:t>
+              <a:t>5/11/25</a:t>
             </a:fld>
             <a:endParaRPr lang="en-US"/>
           </a:p>
@@ -1015,7 +1015,7 @@
           <a:p>
             <a:fld id="{C74DE3F9-B012-4243-B36F-FCB290368F0F}" type="datetimeFigureOut">
               <a:rPr lang="en-US" smtClean="0"/>
-              <a:t>5/6/25</a:t>
+              <a:t>5/11/25</a:t>
             </a:fld>
             <a:endParaRPr lang="en-US"/>
           </a:p>
@@ -1195,7 +1195,7 @@
           <a:p>
             <a:fld id="{C74DE3F9-B012-4243-B36F-FCB290368F0F}" type="datetimeFigureOut">
               <a:rPr lang="en-US" smtClean="0"/>
-              <a:t>5/6/25</a:t>
+              <a:t>5/11/25</a:t>
             </a:fld>
             <a:endParaRPr lang="en-US"/>
           </a:p>
@@ -1365,7 +1365,7 @@
           <a:p>
             <a:fld id="{C74DE3F9-B012-4243-B36F-FCB290368F0F}" type="datetimeFigureOut">
               <a:rPr lang="en-US" smtClean="0"/>
-              <a:t>5/6/25</a:t>
+              <a:t>5/11/25</a:t>
             </a:fld>
             <a:endParaRPr lang="en-US"/>
           </a:p>
@@ -1611,7 +1611,7 @@
           <a:p>
             <a:fld id="{C74DE3F9-B012-4243-B36F-FCB290368F0F}" type="datetimeFigureOut">
               <a:rPr lang="en-US" smtClean="0"/>
-              <a:t>5/6/25</a:t>
+              <a:t>5/11/25</a:t>
             </a:fld>
             <a:endParaRPr lang="en-US"/>
           </a:p>
@@ -1899,7 +1899,7 @@
           <a:p>
             <a:fld id="{C74DE3F9-B012-4243-B36F-FCB290368F0F}" type="datetimeFigureOut">
               <a:rPr lang="en-US" smtClean="0"/>
-              <a:t>5/6/25</a:t>
+              <a:t>5/11/25</a:t>
             </a:fld>
             <a:endParaRPr lang="en-US"/>
           </a:p>
@@ -2321,7 +2321,7 @@
           <a:p>
             <a:fld id="{C74DE3F9-B012-4243-B36F-FCB290368F0F}" type="datetimeFigureOut">
               <a:rPr lang="en-US" smtClean="0"/>
-              <a:t>5/6/25</a:t>
+              <a:t>5/11/25</a:t>
             </a:fld>
             <a:endParaRPr lang="en-US"/>
           </a:p>
@@ -2439,7 +2439,7 @@
           <a:p>
             <a:fld id="{C74DE3F9-B012-4243-B36F-FCB290368F0F}" type="datetimeFigureOut">
               <a:rPr lang="en-US" smtClean="0"/>
-              <a:t>5/6/25</a:t>
+              <a:t>5/11/25</a:t>
             </a:fld>
             <a:endParaRPr lang="en-US"/>
           </a:p>
@@ -2534,7 +2534,7 @@
           <a:p>
             <a:fld id="{C74DE3F9-B012-4243-B36F-FCB290368F0F}" type="datetimeFigureOut">
               <a:rPr lang="en-US" smtClean="0"/>
-              <a:t>5/6/25</a:t>
+              <a:t>5/11/25</a:t>
             </a:fld>
             <a:endParaRPr lang="en-US"/>
           </a:p>
@@ -2811,7 +2811,7 @@
           <a:p>
             <a:fld id="{C74DE3F9-B012-4243-B36F-FCB290368F0F}" type="datetimeFigureOut">
               <a:rPr lang="en-US" smtClean="0"/>
-              <a:t>5/6/25</a:t>
+              <a:t>5/11/25</a:t>
             </a:fld>
             <a:endParaRPr lang="en-US"/>
           </a:p>
@@ -3064,7 +3064,7 @@
           <a:p>
             <a:fld id="{C74DE3F9-B012-4243-B36F-FCB290368F0F}" type="datetimeFigureOut">
               <a:rPr lang="en-US" smtClean="0"/>
-              <a:t>5/6/25</a:t>
+              <a:t>5/11/25</a:t>
             </a:fld>
             <a:endParaRPr lang="en-US"/>
           </a:p>
@@ -3277,7 +3277,7 @@
           <a:p>
             <a:fld id="{C74DE3F9-B012-4243-B36F-FCB290368F0F}" type="datetimeFigureOut">
               <a:rPr lang="en-US" smtClean="0"/>
-              <a:t>5/6/25</a:t>
+              <a:t>5/11/25</a:t>
             </a:fld>
             <a:endParaRPr lang="en-US"/>
           </a:p>
@@ -3865,14 +3865,14 @@
               </a:ln>
               <a:extLst>
                 <a:ext uri="{909E8E84-426E-40dd-AFC4-6F175D3DCCD1}">
-                  <a14:hiddenFill xmlns="" xmlns:a14="http://schemas.microsoft.com/office/drawing/2010/main">
+                  <a14:hiddenFill xmlns:a14="http://schemas.microsoft.com/office/drawing/2010/main" xmlns="">
                     <a:solidFill>
                       <a:srgbClr val="FFFFFF"/>
                     </a:solidFill>
                   </a14:hiddenFill>
                 </a:ext>
                 <a:ext uri="{91240B29-F687-4f45-9708-019B960494DF}">
-                  <a14:hiddenLine xmlns="" xmlns:a14="http://schemas.microsoft.com/office/drawing/2010/main" w="9525">
+                  <a14:hiddenLine xmlns:a14="http://schemas.microsoft.com/office/drawing/2010/main" xmlns="" w="9525">
                     <a:solidFill>
                       <a:srgbClr val="000000"/>
                     </a:solidFill>
@@ -3925,14 +3925,14 @@
               </a:ln>
               <a:extLst>
                 <a:ext uri="{909E8E84-426E-40dd-AFC4-6F175D3DCCD1}">
-                  <a14:hiddenFill xmlns="" xmlns:a14="http://schemas.microsoft.com/office/drawing/2010/main">
+                  <a14:hiddenFill xmlns:a14="http://schemas.microsoft.com/office/drawing/2010/main" xmlns="">
                     <a:solidFill>
                       <a:srgbClr val="FFFFFF"/>
                     </a:solidFill>
                   </a14:hiddenFill>
                 </a:ext>
                 <a:ext uri="{91240B29-F687-4f45-9708-019B960494DF}">
-                  <a14:hiddenLine xmlns="" xmlns:a14="http://schemas.microsoft.com/office/drawing/2010/main" w="9525">
+                  <a14:hiddenLine xmlns:a14="http://schemas.microsoft.com/office/drawing/2010/main" xmlns="" w="9525">
                     <a:solidFill>
                       <a:srgbClr val="000000"/>
                     </a:solidFill>
@@ -4714,8 +4714,8 @@
           </a:p>
         </p:txBody>
       </p:sp>
-      <mc:AlternateContent xmlns:mc="http://schemas.openxmlformats.org/markup-compatibility/2006">
-        <mc:Choice xmlns:a14="http://schemas.microsoft.com/office/drawing/2010/main" Requires="a14">
+      <mc:AlternateContent xmlns:mc="http://schemas.openxmlformats.org/markup-compatibility/2006" xmlns:a14="http://schemas.microsoft.com/office/drawing/2010/main">
+        <mc:Choice Requires="a14">
           <p:sp>
             <p:nvSpPr>
               <p:cNvPr id="4" name="TextBox 3">
@@ -4766,7 +4766,7 @@
             </p:txBody>
           </p:sp>
         </mc:Choice>
-        <mc:Fallback>
+        <mc:Fallback xmlns="">
           <p:sp>
             <p:nvSpPr>
               <p:cNvPr id="4" name="TextBox 3">
@@ -4813,10 +4813,10 @@
       </mc:AlternateContent>
       <p:pic>
         <p:nvPicPr>
-          <p:cNvPr id="13" name="Picture 12" descr="A graph of a function&#10;&#10;Description automatically generated with medium confidence">
+          <p:cNvPr id="14" name="Picture 13">
             <a:extLst>
               <a:ext uri="{FF2B5EF4-FFF2-40B4-BE49-F238E27FC236}">
-                <a16:creationId xmlns:a16="http://schemas.microsoft.com/office/drawing/2014/main" id="{C5BD8E15-7527-F51A-4862-29A944565371}"/>
+                <a16:creationId xmlns:a16="http://schemas.microsoft.com/office/drawing/2014/main" id="{05057A2E-9AD9-3DFD-2C36-9A235BA5200D}"/>
               </a:ext>
             </a:extLst>
           </p:cNvPr>
@@ -4833,8 +4833,8 @@
         </p:blipFill>
         <p:spPr>
           <a:xfrm>
-            <a:off x="355600" y="762000"/>
-            <a:ext cx="8788400" cy="5334000"/>
+            <a:off x="587044" y="491788"/>
+            <a:ext cx="7772400" cy="453594"/>
           </a:xfrm>
           <a:prstGeom prst="rect">
             <a:avLst/>
@@ -4843,10 +4843,10 @@
       </p:pic>
       <p:pic>
         <p:nvPicPr>
-          <p:cNvPr id="14" name="Picture 13">
+          <p:cNvPr id="5" name="Picture 4" descr="A graph of a function&#10;&#10;Description automatically generated with medium confidence">
             <a:extLst>
               <a:ext uri="{FF2B5EF4-FFF2-40B4-BE49-F238E27FC236}">
-                <a16:creationId xmlns:a16="http://schemas.microsoft.com/office/drawing/2014/main" id="{05057A2E-9AD9-3DFD-2C36-9A235BA5200D}"/>
+                <a16:creationId xmlns:a16="http://schemas.microsoft.com/office/drawing/2014/main" id="{025493E0-BA5B-06F5-AD25-24164C59515F}"/>
               </a:ext>
             </a:extLst>
           </p:cNvPr>
@@ -4863,8 +4863,8 @@
         </p:blipFill>
         <p:spPr>
           <a:xfrm>
-            <a:off x="587044" y="491788"/>
-            <a:ext cx="7772400" cy="453594"/>
+            <a:off x="1016000" y="916379"/>
+            <a:ext cx="7112000" cy="5334000"/>
           </a:xfrm>
           <a:prstGeom prst="rect">
             <a:avLst/>
@@ -7709,11 +7709,161 @@
             </a:r>
             <a:r>
               <a:rPr lang="en-US" dirty="0"/>
-              <a:t>[RK]</a:t>
-            </a:r>
-          </a:p>
-        </p:txBody>
-      </p:sp>
+              <a:t>[</a:t>
+            </a:r>
+            <a:r>
+              <a:rPr lang="en-US" dirty="0" err="1"/>
+              <a:t>Zhu,RK</a:t>
+            </a:r>
+            <a:r>
+              <a:rPr lang="en-US" dirty="0"/>
+              <a:t> &amp; </a:t>
+            </a:r>
+            <a:r>
+              <a:rPr lang="en-US" dirty="0" err="1"/>
+              <a:t>Erneux</a:t>
+            </a:r>
+            <a:r>
+              <a:rPr lang="en-US" dirty="0"/>
+              <a:t>]</a:t>
+            </a:r>
+          </a:p>
+        </p:txBody>
+      </p:sp>
+      <mc:AlternateContent xmlns:mc="http://schemas.openxmlformats.org/markup-compatibility/2006">
+        <mc:Choice xmlns:a14="http://schemas.microsoft.com/office/drawing/2010/main" Requires="a14">
+          <p:sp>
+            <p:nvSpPr>
+              <p:cNvPr id="3" name="TextBox 2">
+                <a:extLst>
+                  <a:ext uri="{FF2B5EF4-FFF2-40B4-BE49-F238E27FC236}">
+                    <a16:creationId xmlns:a16="http://schemas.microsoft.com/office/drawing/2014/main" id="{9D324B10-DB5F-27B9-5607-74B6656D53FB}"/>
+                  </a:ext>
+                </a:extLst>
+              </p:cNvPr>
+              <p:cNvSpPr txBox="1"/>
+              <p:nvPr/>
+            </p:nvSpPr>
+            <p:spPr>
+              <a:xfrm>
+                <a:off x="2873829" y="4393870"/>
+                <a:ext cx="1341911" cy="369332"/>
+              </a:xfrm>
+              <a:prstGeom prst="rect">
+                <a:avLst/>
+              </a:prstGeom>
+              <a:noFill/>
+            </p:spPr>
+            <p:txBody>
+              <a:bodyPr wrap="square" rtlCol="0">
+                <a:spAutoFit/>
+              </a:bodyPr>
+              <a:lstStyle/>
+              <a:p>
+                <a:r>
+                  <a:rPr lang="en-US" dirty="0"/>
+                  <a:t>Increasing </a:t>
+                </a:r>
+                <a14:m>
+                  <m:oMath xmlns:m="http://schemas.openxmlformats.org/officeDocument/2006/math">
+                    <m:r>
+                      <a:rPr lang="en-US" i="1" smtClean="0">
+                        <a:latin typeface="Cambria Math" panose="02040503050406030204" pitchFamily="18" charset="0"/>
+                        <a:ea typeface="Cambria Math" panose="02040503050406030204" pitchFamily="18" charset="0"/>
+                      </a:rPr>
+                      <m:t>𝜖</m:t>
+                    </m:r>
+                  </m:oMath>
+                </a14:m>
+                <a:endParaRPr lang="en-US" dirty="0"/>
+              </a:p>
+            </p:txBody>
+          </p:sp>
+        </mc:Choice>
+        <mc:Fallback>
+          <p:sp>
+            <p:nvSpPr>
+              <p:cNvPr id="3" name="TextBox 2">
+                <a:extLst>
+                  <a:ext uri="{FF2B5EF4-FFF2-40B4-BE49-F238E27FC236}">
+                    <a16:creationId xmlns:a16="http://schemas.microsoft.com/office/drawing/2014/main" id="{9D324B10-DB5F-27B9-5607-74B6656D53FB}"/>
+                  </a:ext>
+                </a:extLst>
+              </p:cNvPr>
+              <p:cNvSpPr txBox="1">
+                <a:spLocks noRot="1" noChangeAspect="1" noMove="1" noResize="1" noEditPoints="1" noAdjustHandles="1" noChangeArrowheads="1" noChangeShapeType="1" noTextEdit="1"/>
+              </p:cNvSpPr>
+              <p:nvPr/>
+            </p:nvSpPr>
+            <p:spPr>
+              <a:xfrm>
+                <a:off x="2873829" y="4393870"/>
+                <a:ext cx="1341911" cy="369332"/>
+              </a:xfrm>
+              <a:prstGeom prst="rect">
+                <a:avLst/>
+              </a:prstGeom>
+              <a:blipFill>
+                <a:blip r:embed="rId5"/>
+                <a:stretch>
+                  <a:fillRect l="-3738" t="-10345" b="-31034"/>
+                </a:stretch>
+              </a:blipFill>
+            </p:spPr>
+            <p:txBody>
+              <a:bodyPr/>
+              <a:lstStyle/>
+              <a:p>
+                <a:r>
+                  <a:rPr lang="en-US">
+                    <a:noFill/>
+                  </a:rPr>
+                  <a:t> </a:t>
+                </a:r>
+              </a:p>
+            </p:txBody>
+          </p:sp>
+        </mc:Fallback>
+      </mc:AlternateContent>
+      <p:cxnSp>
+        <p:nvCxnSpPr>
+          <p:cNvPr id="7" name="Straight Arrow Connector 6">
+            <a:extLst>
+              <a:ext uri="{FF2B5EF4-FFF2-40B4-BE49-F238E27FC236}">
+                <a16:creationId xmlns:a16="http://schemas.microsoft.com/office/drawing/2014/main" id="{F24676A2-CAAD-8918-320D-964784FBE481}"/>
+              </a:ext>
+            </a:extLst>
+          </p:cNvPr>
+          <p:cNvCxnSpPr/>
+          <p:nvPr/>
+        </p:nvCxnSpPr>
+        <p:spPr>
+          <a:xfrm>
+            <a:off x="3384468" y="2885704"/>
+            <a:ext cx="0" cy="1508166"/>
+          </a:xfrm>
+          <a:prstGeom prst="straightConnector1">
+            <a:avLst/>
+          </a:prstGeom>
+          <a:ln>
+            <a:tailEnd type="triangle"/>
+          </a:ln>
+        </p:spPr>
+        <p:style>
+          <a:lnRef idx="2">
+            <a:schemeClr val="accent1"/>
+          </a:lnRef>
+          <a:fillRef idx="0">
+            <a:schemeClr val="accent1"/>
+          </a:fillRef>
+          <a:effectRef idx="1">
+            <a:schemeClr val="accent1"/>
+          </a:effectRef>
+          <a:fontRef idx="minor">
+            <a:schemeClr val="tx1"/>
+          </a:fontRef>
+        </p:style>
+      </p:cxnSp>
     </p:spTree>
     <p:extLst>
       <p:ext uri="{BB962C8B-B14F-4D97-AF65-F5344CB8AC3E}">
@@ -7766,7 +7916,7 @@
         </p:blipFill>
         <p:spPr>
           <a:xfrm>
-            <a:off x="1596786" y="2254407"/>
+            <a:off x="1620536" y="2373157"/>
             <a:ext cx="6178051" cy="4630889"/>
           </a:xfrm>
           <a:prstGeom prst="rect">
@@ -7774,8 +7924,8 @@
           </a:prstGeom>
         </p:spPr>
       </p:pic>
-      <mc:AlternateContent xmlns:mc="http://schemas.openxmlformats.org/markup-compatibility/2006" xmlns:a14="http://schemas.microsoft.com/office/drawing/2010/main">
-        <mc:Choice Requires="a14">
+      <mc:AlternateContent xmlns:mc="http://schemas.openxmlformats.org/markup-compatibility/2006">
+        <mc:Choice xmlns:a14="http://schemas.microsoft.com/office/drawing/2010/main" Requires="a14">
           <p:sp>
             <p:nvSpPr>
               <p:cNvPr id="7" name="TextBox 6">
@@ -7790,8 +7940,8 @@
             </p:nvSpPr>
             <p:spPr>
               <a:xfrm>
-                <a:off x="5674" y="3310354"/>
-                <a:ext cx="2238233" cy="3416320"/>
+                <a:off x="-6201" y="3203477"/>
+                <a:ext cx="2238233" cy="2031325"/>
               </a:xfrm>
               <a:prstGeom prst="rect">
                 <a:avLst/>
@@ -7810,40 +7960,25 @@
                       <a:srgbClr val="FF0000"/>
                     </a:solidFill>
                   </a:rPr>
-                  <a:t>No drift:</a:t>
+                  <a:t>No drift:  </a:t>
                 </a:r>
-              </a:p>
-              <a:p>
-                <a:endParaRPr lang="en-US" sz="2400" dirty="0">
-                  <a:solidFill>
-                    <a:srgbClr val="FF0000"/>
-                  </a:solidFill>
-                </a:endParaRPr>
-              </a:p>
-              <a:p>
-                <a:pPr/>
                 <a14:m>
-                  <m:oMathPara xmlns:m="http://schemas.openxmlformats.org/officeDocument/2006/math">
-                    <m:oMathParaPr>
-                      <m:jc m:val="centerGroup"/>
-                    </m:oMathParaPr>
-                    <m:oMath xmlns:m="http://schemas.openxmlformats.org/officeDocument/2006/math">
-                      <m:r>
-                        <a:rPr lang="en-US" sz="2400" i="1" smtClean="0">
-                          <a:latin typeface="Cambria Math" panose="02040503050406030204" pitchFamily="18" charset="0"/>
-                          <a:ea typeface="Cambria Math" panose="02040503050406030204" pitchFamily="18" charset="0"/>
-                        </a:rPr>
-                        <m:t>𝜖</m:t>
-                      </m:r>
-                      <m:r>
-                        <a:rPr lang="en-GB" sz="2400" b="0" i="1" smtClean="0">
-                          <a:latin typeface="Cambria Math" panose="02040503050406030204" pitchFamily="18" charset="0"/>
-                          <a:ea typeface="Cambria Math" panose="02040503050406030204" pitchFamily="18" charset="0"/>
-                        </a:rPr>
-                        <m:t>=0</m:t>
-                      </m:r>
-                    </m:oMath>
-                  </m:oMathPara>
+                  <m:oMath xmlns:m="http://schemas.openxmlformats.org/officeDocument/2006/math">
+                    <m:r>
+                      <a:rPr lang="en-US" sz="2400" i="1" smtClean="0">
+                        <a:latin typeface="Cambria Math" panose="02040503050406030204" pitchFamily="18" charset="0"/>
+                        <a:ea typeface="Cambria Math" panose="02040503050406030204" pitchFamily="18" charset="0"/>
+                      </a:rPr>
+                      <m:t>𝜖</m:t>
+                    </m:r>
+                    <m:r>
+                      <a:rPr lang="en-GB" sz="2400" b="0" i="1" smtClean="0">
+                        <a:latin typeface="Cambria Math" panose="02040503050406030204" pitchFamily="18" charset="0"/>
+                        <a:ea typeface="Cambria Math" panose="02040503050406030204" pitchFamily="18" charset="0"/>
+                      </a:rPr>
+                      <m:t>=0</m:t>
+                    </m:r>
+                  </m:oMath>
                 </a14:m>
                 <a:endParaRPr lang="en-GB" sz="2400" b="0" dirty="0">
                   <a:ea typeface="Cambria Math" panose="02040503050406030204" pitchFamily="18" charset="0"/>
@@ -7859,29 +7994,11 @@
                       <a:srgbClr val="0070C0"/>
                     </a:solidFill>
                   </a:rPr>
-                  <a:t>Seasonal </a:t>
+                  <a:t>Seasonal forcing only:      </a:t>
                 </a:r>
                 <a:r>
-                  <a:rPr lang="en-US" sz="2400">
-                    <a:solidFill>
-                      <a:srgbClr val="0070C0"/>
-                    </a:solidFill>
-                  </a:rPr>
-                  <a:t>forcing only:</a:t>
-                </a:r>
-                <a:endParaRPr lang="en-US" sz="2400" dirty="0">
-                  <a:solidFill>
-                    <a:srgbClr val="0070C0"/>
-                  </a:solidFill>
-                </a:endParaRPr>
-              </a:p>
-              <a:p>
-                <a:endParaRPr lang="en-US" dirty="0"/>
-              </a:p>
-              <a:p>
-                <a:r>
                   <a:rPr lang="en-US" sz="2400" dirty="0"/>
-                  <a:t>          A = 1</a:t>
+                  <a:t> A = 1</a:t>
                 </a:r>
               </a:p>
               <a:p>
@@ -7893,7 +8010,7 @@
             </p:txBody>
           </p:sp>
         </mc:Choice>
-        <mc:Fallback xmlns="">
+        <mc:Fallback>
           <p:sp>
             <p:nvSpPr>
               <p:cNvPr id="7" name="TextBox 6">
@@ -7910,8 +8027,8 @@
             </p:nvSpPr>
             <p:spPr>
               <a:xfrm>
-                <a:off x="5674" y="3310354"/>
-                <a:ext cx="2238233" cy="3416320"/>
+                <a:off x="-6201" y="3203477"/>
+                <a:ext cx="2238233" cy="2031325"/>
               </a:xfrm>
               <a:prstGeom prst="rect">
                 <a:avLst/>
@@ -7919,7 +8036,7 @@
               <a:blipFill>
                 <a:blip r:embed="rId3"/>
                 <a:stretch>
-                  <a:fillRect l="-4520" t="-1481" r="-5650"/>
+                  <a:fillRect l="-4520" t="-1863" r="-5650"/>
                 </a:stretch>
               </a:blipFill>
             </p:spPr>
@@ -7938,8 +8055,8 @@
           </p:sp>
         </mc:Fallback>
       </mc:AlternateContent>
-      <mc:AlternateContent xmlns:mc="http://schemas.openxmlformats.org/markup-compatibility/2006" xmlns:a14="http://schemas.microsoft.com/office/drawing/2010/main">
-        <mc:Choice Requires="a14">
+      <mc:AlternateContent xmlns:mc="http://schemas.openxmlformats.org/markup-compatibility/2006">
+        <mc:Choice xmlns:a14="http://schemas.microsoft.com/office/drawing/2010/main" Requires="a14">
           <p:sp>
             <p:nvSpPr>
               <p:cNvPr id="8" name="TextBox 7">
@@ -7954,7 +8071,7 @@
             </p:nvSpPr>
             <p:spPr>
               <a:xfrm>
-                <a:off x="3864256" y="4469855"/>
+                <a:off x="3733631" y="4362978"/>
                 <a:ext cx="5552879" cy="369332"/>
               </a:xfrm>
               <a:prstGeom prst="rect">
@@ -8006,7 +8123,7 @@
             </p:txBody>
           </p:sp>
         </mc:Choice>
-        <mc:Fallback xmlns="">
+        <mc:Fallback>
           <p:sp>
             <p:nvSpPr>
               <p:cNvPr id="8" name="TextBox 7">
@@ -8023,7 +8140,7 @@
             </p:nvSpPr>
             <p:spPr>
               <a:xfrm>
-                <a:off x="3864256" y="4469855"/>
+                <a:off x="3733631" y="4362978"/>
                 <a:ext cx="5552879" cy="369332"/>
               </a:xfrm>
               <a:prstGeom prst="rect">
@@ -8032,7 +8149,7 @@
               <a:blipFill>
                 <a:blip r:embed="rId4"/>
                 <a:stretch>
-                  <a:fillRect t="-6452" b="-22581"/>
+                  <a:fillRect t="-6667" b="-26667"/>
                 </a:stretch>
               </a:blipFill>
             </p:spPr>
@@ -8051,8 +8168,8 @@
           </p:sp>
         </mc:Fallback>
       </mc:AlternateContent>
-      <mc:AlternateContent xmlns:mc="http://schemas.openxmlformats.org/markup-compatibility/2006" xmlns:a14="http://schemas.microsoft.com/office/drawing/2010/main">
-        <mc:Choice Requires="a14">
+      <mc:AlternateContent xmlns:mc="http://schemas.openxmlformats.org/markup-compatibility/2006">
+        <mc:Choice xmlns:a14="http://schemas.microsoft.com/office/drawing/2010/main" Requires="a14">
           <p:sp>
             <p:nvSpPr>
               <p:cNvPr id="5" name="TextBox 4">
@@ -8067,8 +8184,8 @@
             </p:nvSpPr>
             <p:spPr>
               <a:xfrm>
-                <a:off x="3613069" y="4985106"/>
-                <a:ext cx="4708566" cy="646331"/>
+                <a:off x="3363690" y="5008856"/>
+                <a:ext cx="5792192" cy="369332"/>
               </a:xfrm>
               <a:prstGeom prst="rect">
                 <a:avLst/>
@@ -8113,7 +8230,7 @@
                 </a14:m>
                 <a:r>
                   <a:rPr lang="en-US" dirty="0"/>
-                  <a:t>: stable periodic orbit loses stability and tips </a:t>
+                  <a:t>: stable periodic orbit loses stability </a:t>
                 </a:r>
                 <a:r>
                   <a:rPr lang="en-US" dirty="0">
@@ -8121,13 +8238,13 @@
                       <a:srgbClr val="FF0000"/>
                     </a:solidFill>
                   </a:rPr>
-                  <a:t>(usually at a cyclic fold)</a:t>
+                  <a:t>usually at a cyclic fold</a:t>
                 </a:r>
               </a:p>
             </p:txBody>
           </p:sp>
         </mc:Choice>
-        <mc:Fallback xmlns="">
+        <mc:Fallback>
           <p:sp>
             <p:nvSpPr>
               <p:cNvPr id="5" name="TextBox 4">
@@ -8144,8 +8261,8 @@
             </p:nvSpPr>
             <p:spPr>
               <a:xfrm>
-                <a:off x="3613069" y="4985106"/>
-                <a:ext cx="4708566" cy="646331"/>
+                <a:off x="3363690" y="5008856"/>
+                <a:ext cx="5792192" cy="369332"/>
               </a:xfrm>
               <a:prstGeom prst="rect">
                 <a:avLst/>
@@ -8153,7 +8270,7 @@
               <a:blipFill>
                 <a:blip r:embed="rId5"/>
                 <a:stretch>
-                  <a:fillRect l="-1075" t="-3846" b="-13462"/>
+                  <a:fillRect t="-6667" b="-26667"/>
                 </a:stretch>
               </a:blipFill>
             </p:spPr>
@@ -8187,7 +8304,7 @@
         <p:spPr>
           <a:xfrm>
             <a:off x="354842" y="286603"/>
-            <a:ext cx="8789157" cy="2308324"/>
+            <a:ext cx="8789157" cy="1754326"/>
           </a:xfrm>
           <a:prstGeom prst="rect">
             <a:avLst/>
@@ -8230,11 +8347,11 @@
           </a:p>
           <a:p>
             <a:r>
-              <a:rPr lang="en-US" sz="2800" dirty="0"/>
+              <a:rPr lang="en-US" sz="2400" dirty="0"/>
               <a:t>See significant impact of </a:t>
             </a:r>
             <a:r>
-              <a:rPr lang="en-US" sz="2800" dirty="0">
+              <a:rPr lang="en-US" sz="2400" dirty="0">
                 <a:solidFill>
                   <a:srgbClr val="0070C0"/>
                 </a:solidFill>
@@ -8242,7 +8359,7 @@
               <a:t>resonance</a:t>
             </a:r>
             <a:r>
-              <a:rPr lang="en-US" sz="2800" dirty="0"/>
+              <a:rPr lang="en-US" sz="2400" dirty="0"/>
               <a:t> between the forcing frequency and the frequency of the focus and much more complex orbits</a:t>
             </a:r>
           </a:p>
@@ -8262,8 +8379,8 @@
         </p:nvSpPr>
         <p:spPr>
           <a:xfrm>
-            <a:off x="4572000" y="3265714"/>
-            <a:ext cx="1876301" cy="369332"/>
+            <a:off x="4108864" y="3087584"/>
+            <a:ext cx="3990109" cy="369332"/>
           </a:xfrm>
           <a:prstGeom prst="rect">
             <a:avLst/>
@@ -8282,7 +8399,7 @@
                   <a:srgbClr val="0070C0"/>
                 </a:solidFill>
               </a:rPr>
-              <a:t>No tipping</a:t>
+              <a:t>No tipping: stable periodic orbit</a:t>
             </a:r>
           </a:p>
         </p:txBody>
@@ -8301,7 +8418,7 @@
         </p:nvSpPr>
         <p:spPr>
           <a:xfrm>
-            <a:off x="2541319" y="5878286"/>
+            <a:off x="2529444" y="5723907"/>
             <a:ext cx="1529902" cy="369332"/>
           </a:xfrm>
           <a:prstGeom prst="rect">
@@ -8326,6 +8443,112 @@
           </a:p>
         </p:txBody>
       </p:sp>
+      <mc:AlternateContent xmlns:mc="http://schemas.openxmlformats.org/markup-compatibility/2006">
+        <mc:Choice xmlns:a14="http://schemas.microsoft.com/office/drawing/2010/main" Requires="a14">
+          <p:sp>
+            <p:nvSpPr>
+              <p:cNvPr id="9" name="TextBox 8">
+                <a:extLst>
+                  <a:ext uri="{FF2B5EF4-FFF2-40B4-BE49-F238E27FC236}">
+                    <a16:creationId xmlns:a16="http://schemas.microsoft.com/office/drawing/2014/main" id="{726F5EB8-90CC-60EE-7F5F-C8219635E3E0}"/>
+                  </a:ext>
+                </a:extLst>
+              </p:cNvPr>
+              <p:cNvSpPr txBox="1"/>
+              <p:nvPr/>
+            </p:nvSpPr>
+            <p:spPr>
+              <a:xfrm>
+                <a:off x="510635" y="2303814"/>
+                <a:ext cx="2375065" cy="369332"/>
+              </a:xfrm>
+              <a:prstGeom prst="rect">
+                <a:avLst/>
+              </a:prstGeom>
+              <a:noFill/>
+            </p:spPr>
+            <p:txBody>
+              <a:bodyPr wrap="square" rtlCol="0">
+                <a:spAutoFit/>
+              </a:bodyPr>
+              <a:lstStyle/>
+              <a:p>
+                <a:r>
+                  <a:rPr lang="en-US" dirty="0">
+                    <a:solidFill>
+                      <a:srgbClr val="FF0000"/>
+                    </a:solidFill>
+                  </a:rPr>
+                  <a:t>Tipping value of </a:t>
+                </a:r>
+                <a14:m>
+                  <m:oMath xmlns:m="http://schemas.openxmlformats.org/officeDocument/2006/math">
+                    <m:r>
+                      <a:rPr lang="en-US" i="1" smtClean="0">
+                        <a:solidFill>
+                          <a:srgbClr val="FF0000"/>
+                        </a:solidFill>
+                        <a:latin typeface="Cambria Math" panose="02040503050406030204" pitchFamily="18" charset="0"/>
+                        <a:ea typeface="Cambria Math" panose="02040503050406030204" pitchFamily="18" charset="0"/>
+                      </a:rPr>
+                      <m:t>𝜇</m:t>
+                    </m:r>
+                  </m:oMath>
+                </a14:m>
+                <a:endParaRPr lang="en-US" dirty="0">
+                  <a:solidFill>
+                    <a:srgbClr val="FF0000"/>
+                  </a:solidFill>
+                </a:endParaRPr>
+              </a:p>
+            </p:txBody>
+          </p:sp>
+        </mc:Choice>
+        <mc:Fallback>
+          <p:sp>
+            <p:nvSpPr>
+              <p:cNvPr id="9" name="TextBox 8">
+                <a:extLst>
+                  <a:ext uri="{FF2B5EF4-FFF2-40B4-BE49-F238E27FC236}">
+                    <a16:creationId xmlns:a16="http://schemas.microsoft.com/office/drawing/2014/main" id="{726F5EB8-90CC-60EE-7F5F-C8219635E3E0}"/>
+                  </a:ext>
+                </a:extLst>
+              </p:cNvPr>
+              <p:cNvSpPr txBox="1">
+                <a:spLocks noRot="1" noChangeAspect="1" noMove="1" noResize="1" noEditPoints="1" noAdjustHandles="1" noChangeArrowheads="1" noChangeShapeType="1" noTextEdit="1"/>
+              </p:cNvSpPr>
+              <p:nvPr/>
+            </p:nvSpPr>
+            <p:spPr>
+              <a:xfrm>
+                <a:off x="510635" y="2303814"/>
+                <a:ext cx="2375065" cy="369332"/>
+              </a:xfrm>
+              <a:prstGeom prst="rect">
+                <a:avLst/>
+              </a:prstGeom>
+              <a:blipFill>
+                <a:blip r:embed="rId6"/>
+                <a:stretch>
+                  <a:fillRect l="-2128" t="-6667" b="-26667"/>
+                </a:stretch>
+              </a:blipFill>
+            </p:spPr>
+            <p:txBody>
+              <a:bodyPr/>
+              <a:lstStyle/>
+              <a:p>
+                <a:r>
+                  <a:rPr lang="en-US">
+                    <a:noFill/>
+                  </a:rPr>
+                  <a:t> </a:t>
+                </a:r>
+              </a:p>
+            </p:txBody>
+          </p:sp>
+        </mc:Fallback>
+      </mc:AlternateContent>
     </p:spTree>
     <p:extLst>
       <p:ext uri="{BB962C8B-B14F-4D97-AF65-F5344CB8AC3E}">
@@ -8378,7 +8601,7 @@
         </p:blipFill>
         <p:spPr>
           <a:xfrm>
-            <a:off x="6045961" y="139888"/>
+            <a:off x="6045961" y="211138"/>
             <a:ext cx="3084394" cy="2311973"/>
           </a:xfrm>
           <a:prstGeom prst="rect">
@@ -8470,36 +8693,6 @@
           <a:xfrm>
             <a:off x="5956371" y="4763834"/>
             <a:ext cx="2881429" cy="2159836"/>
-          </a:xfrm>
-          <a:prstGeom prst="rect">
-            <a:avLst/>
-          </a:prstGeom>
-        </p:spPr>
-      </p:pic>
-      <p:pic>
-        <p:nvPicPr>
-          <p:cNvPr id="14" name="Picture 13" descr="A graph with a red line&#10;&#10;Description automatically generated">
-            <a:extLst>
-              <a:ext uri="{FF2B5EF4-FFF2-40B4-BE49-F238E27FC236}">
-                <a16:creationId xmlns:a16="http://schemas.microsoft.com/office/drawing/2014/main" id="{D75987AC-F0F7-3911-AC86-895D72306A5C}"/>
-              </a:ext>
-            </a:extLst>
-          </p:cNvPr>
-          <p:cNvPicPr>
-            <a:picLocks noChangeAspect="1"/>
-          </p:cNvPicPr>
-          <p:nvPr/>
-        </p:nvPicPr>
-        <p:blipFill>
-          <a:blip r:embed="rId6"/>
-          <a:stretch>
-            <a:fillRect/>
-          </a:stretch>
-        </p:blipFill>
-        <p:spPr>
-          <a:xfrm>
-            <a:off x="3125337" y="112591"/>
-            <a:ext cx="3261822" cy="2444968"/>
           </a:xfrm>
           <a:prstGeom prst="rect">
             <a:avLst/>
@@ -8895,6 +9088,45 @@
           </p:sp>
         </mc:Fallback>
       </mc:AlternateContent>
+      <p:sp>
+        <p:nvSpPr>
+          <p:cNvPr id="2" name="TextBox 1">
+            <a:extLst>
+              <a:ext uri="{FF2B5EF4-FFF2-40B4-BE49-F238E27FC236}">
+                <a16:creationId xmlns:a16="http://schemas.microsoft.com/office/drawing/2014/main" id="{F751984F-B2A5-C873-B347-B7110A927A28}"/>
+              </a:ext>
+            </a:extLst>
+          </p:cNvPr>
+          <p:cNvSpPr txBox="1"/>
+          <p:nvPr/>
+        </p:nvSpPr>
+        <p:spPr>
+          <a:xfrm>
+            <a:off x="6982691" y="-41787"/>
+            <a:ext cx="1855109" cy="369332"/>
+          </a:xfrm>
+          <a:prstGeom prst="rect">
+            <a:avLst/>
+          </a:prstGeom>
+          <a:noFill/>
+        </p:spPr>
+        <p:txBody>
+          <a:bodyPr wrap="square" rtlCol="0">
+            <a:spAutoFit/>
+          </a:bodyPr>
+          <a:lstStyle/>
+          <a:p>
+            <a:r>
+              <a:rPr lang="en-US" dirty="0">
+                <a:solidFill>
+                  <a:srgbClr val="0070C0"/>
+                </a:solidFill>
+              </a:rPr>
+              <a:t>Periodic orbit</a:t>
+            </a:r>
+          </a:p>
+        </p:txBody>
+      </p:sp>
     </p:spTree>
     <p:extLst>
       <p:ext uri="{BB962C8B-B14F-4D97-AF65-F5344CB8AC3E}">
@@ -9039,7 +9271,7 @@
         <p:spPr>
           <a:xfrm>
             <a:off x="573206" y="6250676"/>
-            <a:ext cx="7342495" cy="461665"/>
+            <a:ext cx="8333288" cy="461665"/>
           </a:xfrm>
           <a:prstGeom prst="rect">
             <a:avLst/>
@@ -9058,7 +9290,15 @@
                   <a:srgbClr val="0070C0"/>
                 </a:solidFill>
               </a:rPr>
-              <a:t>                 Slow drift:  Resonance advances tipping</a:t>
+              <a:t>                 Slow drift and oscillation:  </a:t>
+            </a:r>
+            <a:r>
+              <a:rPr lang="en-US" sz="2400" dirty="0">
+                <a:solidFill>
+                  <a:srgbClr val="7030A0"/>
+                </a:solidFill>
+              </a:rPr>
+              <a:t>Resonance advances tipping</a:t>
             </a:r>
           </a:p>
         </p:txBody>
@@ -9093,6 +9333,349 @@
           </a:prstGeom>
         </p:spPr>
       </p:pic>
+      <p:cxnSp>
+        <p:nvCxnSpPr>
+          <p:cNvPr id="3" name="Straight Arrow Connector 2">
+            <a:extLst>
+              <a:ext uri="{FF2B5EF4-FFF2-40B4-BE49-F238E27FC236}">
+                <a16:creationId xmlns:a16="http://schemas.microsoft.com/office/drawing/2014/main" id="{B4310861-BF2C-6A8D-66B3-35185F5274E3}"/>
+              </a:ext>
+            </a:extLst>
+          </p:cNvPr>
+          <p:cNvCxnSpPr/>
+          <p:nvPr/>
+        </p:nvCxnSpPr>
+        <p:spPr>
+          <a:xfrm>
+            <a:off x="5427022" y="1579418"/>
+            <a:ext cx="0" cy="2410691"/>
+          </a:xfrm>
+          <a:prstGeom prst="straightConnector1">
+            <a:avLst/>
+          </a:prstGeom>
+          <a:ln>
+            <a:tailEnd type="triangle"/>
+          </a:ln>
+        </p:spPr>
+        <p:style>
+          <a:lnRef idx="2">
+            <a:schemeClr val="accent1"/>
+          </a:lnRef>
+          <a:fillRef idx="0">
+            <a:schemeClr val="accent1"/>
+          </a:fillRef>
+          <a:effectRef idx="1">
+            <a:schemeClr val="accent1"/>
+          </a:effectRef>
+          <a:fontRef idx="minor">
+            <a:schemeClr val="tx1"/>
+          </a:fontRef>
+        </p:style>
+      </p:cxnSp>
+      <mc:AlternateContent xmlns:mc="http://schemas.openxmlformats.org/markup-compatibility/2006">
+        <mc:Choice xmlns:a14="http://schemas.microsoft.com/office/drawing/2010/main" Requires="a14">
+          <p:sp>
+            <p:nvSpPr>
+              <p:cNvPr id="4" name="TextBox 3">
+                <a:extLst>
+                  <a:ext uri="{FF2B5EF4-FFF2-40B4-BE49-F238E27FC236}">
+                    <a16:creationId xmlns:a16="http://schemas.microsoft.com/office/drawing/2014/main" id="{4CE183A7-C209-0FD9-31DC-2E54442D6462}"/>
+                  </a:ext>
+                </a:extLst>
+              </p:cNvPr>
+              <p:cNvSpPr txBox="1"/>
+              <p:nvPr/>
+            </p:nvSpPr>
+            <p:spPr>
+              <a:xfrm>
+                <a:off x="4868886" y="1199408"/>
+                <a:ext cx="1092530" cy="369332"/>
+              </a:xfrm>
+              <a:prstGeom prst="rect">
+                <a:avLst/>
+              </a:prstGeom>
+              <a:noFill/>
+            </p:spPr>
+            <p:txBody>
+              <a:bodyPr wrap="square" rtlCol="0">
+                <a:spAutoFit/>
+              </a:bodyPr>
+              <a:lstStyle/>
+              <a:p>
+                <a14:m>
+                  <m:oMathPara xmlns:m="http://schemas.openxmlformats.org/officeDocument/2006/math">
+                    <m:oMathParaPr>
+                      <m:jc m:val="centerGroup"/>
+                    </m:oMathParaPr>
+                    <m:oMath xmlns:m="http://schemas.openxmlformats.org/officeDocument/2006/math">
+                      <m:r>
+                        <a:rPr lang="en-US" i="1" smtClean="0">
+                          <a:latin typeface="Cambria Math" panose="02040503050406030204" pitchFamily="18" charset="0"/>
+                          <a:ea typeface="Cambria Math" panose="02040503050406030204" pitchFamily="18" charset="0"/>
+                        </a:rPr>
+                        <m:t>𝜖</m:t>
+                      </m:r>
+                      <m:r>
+                        <a:rPr lang="en-GB" b="0" i="1" smtClean="0">
+                          <a:latin typeface="Cambria Math" panose="02040503050406030204" pitchFamily="18" charset="0"/>
+                          <a:ea typeface="Cambria Math" panose="02040503050406030204" pitchFamily="18" charset="0"/>
+                        </a:rPr>
+                        <m:t>=0</m:t>
+                      </m:r>
+                    </m:oMath>
+                  </m:oMathPara>
+                </a14:m>
+                <a:endParaRPr lang="en-US" dirty="0"/>
+              </a:p>
+            </p:txBody>
+          </p:sp>
+        </mc:Choice>
+        <mc:Fallback>
+          <p:sp>
+            <p:nvSpPr>
+              <p:cNvPr id="4" name="TextBox 3">
+                <a:extLst>
+                  <a:ext uri="{FF2B5EF4-FFF2-40B4-BE49-F238E27FC236}">
+                    <a16:creationId xmlns:a16="http://schemas.microsoft.com/office/drawing/2014/main" id="{4CE183A7-C209-0FD9-31DC-2E54442D6462}"/>
+                  </a:ext>
+                </a:extLst>
+              </p:cNvPr>
+              <p:cNvSpPr txBox="1">
+                <a:spLocks noRot="1" noChangeAspect="1" noMove="1" noResize="1" noEditPoints="1" noAdjustHandles="1" noChangeArrowheads="1" noChangeShapeType="1" noTextEdit="1"/>
+              </p:cNvSpPr>
+              <p:nvPr/>
+            </p:nvSpPr>
+            <p:spPr>
+              <a:xfrm>
+                <a:off x="4868886" y="1199408"/>
+                <a:ext cx="1092530" cy="369332"/>
+              </a:xfrm>
+              <a:prstGeom prst="rect">
+                <a:avLst/>
+              </a:prstGeom>
+              <a:blipFill>
+                <a:blip r:embed="rId3"/>
+                <a:stretch>
+                  <a:fillRect/>
+                </a:stretch>
+              </a:blipFill>
+            </p:spPr>
+            <p:txBody>
+              <a:bodyPr/>
+              <a:lstStyle/>
+              <a:p>
+                <a:r>
+                  <a:rPr lang="en-US">
+                    <a:noFill/>
+                  </a:rPr>
+                  <a:t> </a:t>
+                </a:r>
+              </a:p>
+            </p:txBody>
+          </p:sp>
+        </mc:Fallback>
+      </mc:AlternateContent>
+      <mc:AlternateContent xmlns:mc="http://schemas.openxmlformats.org/markup-compatibility/2006">
+        <mc:Choice xmlns:a14="http://schemas.microsoft.com/office/drawing/2010/main" Requires="a14">
+          <p:sp>
+            <p:nvSpPr>
+              <p:cNvPr id="5" name="TextBox 4">
+                <a:extLst>
+                  <a:ext uri="{FF2B5EF4-FFF2-40B4-BE49-F238E27FC236}">
+                    <a16:creationId xmlns:a16="http://schemas.microsoft.com/office/drawing/2014/main" id="{FDB4502D-01D7-1C78-8709-317EF528C196}"/>
+                  </a:ext>
+                </a:extLst>
+              </p:cNvPr>
+              <p:cNvSpPr txBox="1"/>
+              <p:nvPr/>
+            </p:nvSpPr>
+            <p:spPr>
+              <a:xfrm>
+                <a:off x="4773881" y="3990109"/>
+                <a:ext cx="2398815" cy="369332"/>
+              </a:xfrm>
+              <a:prstGeom prst="rect">
+                <a:avLst/>
+              </a:prstGeom>
+              <a:noFill/>
+            </p:spPr>
+            <p:txBody>
+              <a:bodyPr wrap="square" rtlCol="0">
+                <a:spAutoFit/>
+              </a:bodyPr>
+              <a:lstStyle/>
+              <a:p>
+                <a:r>
+                  <a:rPr lang="en-US" dirty="0"/>
+                  <a:t>Increasing </a:t>
+                </a:r>
+                <a14:m>
+                  <m:oMath xmlns:m="http://schemas.openxmlformats.org/officeDocument/2006/math">
+                    <m:r>
+                      <a:rPr lang="en-US" i="1" smtClean="0">
+                        <a:latin typeface="Cambria Math" panose="02040503050406030204" pitchFamily="18" charset="0"/>
+                        <a:ea typeface="Cambria Math" panose="02040503050406030204" pitchFamily="18" charset="0"/>
+                      </a:rPr>
+                      <m:t>𝜖</m:t>
+                    </m:r>
+                  </m:oMath>
+                </a14:m>
+                <a:endParaRPr lang="en-US" dirty="0"/>
+              </a:p>
+            </p:txBody>
+          </p:sp>
+        </mc:Choice>
+        <mc:Fallback>
+          <p:sp>
+            <p:nvSpPr>
+              <p:cNvPr id="5" name="TextBox 4">
+                <a:extLst>
+                  <a:ext uri="{FF2B5EF4-FFF2-40B4-BE49-F238E27FC236}">
+                    <a16:creationId xmlns:a16="http://schemas.microsoft.com/office/drawing/2014/main" id="{FDB4502D-01D7-1C78-8709-317EF528C196}"/>
+                  </a:ext>
+                </a:extLst>
+              </p:cNvPr>
+              <p:cNvSpPr txBox="1">
+                <a:spLocks noRot="1" noChangeAspect="1" noMove="1" noResize="1" noEditPoints="1" noAdjustHandles="1" noChangeArrowheads="1" noChangeShapeType="1" noTextEdit="1"/>
+              </p:cNvSpPr>
+              <p:nvPr/>
+            </p:nvSpPr>
+            <p:spPr>
+              <a:xfrm>
+                <a:off x="4773881" y="3990109"/>
+                <a:ext cx="2398815" cy="369332"/>
+              </a:xfrm>
+              <a:prstGeom prst="rect">
+                <a:avLst/>
+              </a:prstGeom>
+              <a:blipFill>
+                <a:blip r:embed="rId4"/>
+                <a:stretch>
+                  <a:fillRect l="-1579" t="-6667" b="-23333"/>
+                </a:stretch>
+              </a:blipFill>
+            </p:spPr>
+            <p:txBody>
+              <a:bodyPr/>
+              <a:lstStyle/>
+              <a:p>
+                <a:r>
+                  <a:rPr lang="en-US">
+                    <a:noFill/>
+                  </a:rPr>
+                  <a:t> </a:t>
+                </a:r>
+              </a:p>
+            </p:txBody>
+          </p:sp>
+        </mc:Fallback>
+      </mc:AlternateContent>
+      <mc:AlternateContent xmlns:mc="http://schemas.openxmlformats.org/markup-compatibility/2006">
+        <mc:Choice xmlns:a14="http://schemas.microsoft.com/office/drawing/2010/main" Requires="a14">
+          <p:sp>
+            <p:nvSpPr>
+              <p:cNvPr id="7" name="TextBox 6">
+                <a:extLst>
+                  <a:ext uri="{FF2B5EF4-FFF2-40B4-BE49-F238E27FC236}">
+                    <a16:creationId xmlns:a16="http://schemas.microsoft.com/office/drawing/2014/main" id="{C81E8714-69F9-F11C-FB10-D40465BBD011}"/>
+                  </a:ext>
+                </a:extLst>
+              </p:cNvPr>
+              <p:cNvSpPr txBox="1"/>
+              <p:nvPr/>
+            </p:nvSpPr>
+            <p:spPr>
+              <a:xfrm>
+                <a:off x="3408216" y="546265"/>
+                <a:ext cx="2375065" cy="369332"/>
+              </a:xfrm>
+              <a:prstGeom prst="rect">
+                <a:avLst/>
+              </a:prstGeom>
+              <a:noFill/>
+            </p:spPr>
+            <p:txBody>
+              <a:bodyPr wrap="square" rtlCol="0">
+                <a:spAutoFit/>
+              </a:bodyPr>
+              <a:lstStyle/>
+              <a:p>
+                <a:r>
+                  <a:rPr lang="en-US" dirty="0">
+                    <a:solidFill>
+                      <a:srgbClr val="FF0000"/>
+                    </a:solidFill>
+                  </a:rPr>
+                  <a:t>Tipping value of </a:t>
+                </a:r>
+                <a14:m>
+                  <m:oMath xmlns:m="http://schemas.openxmlformats.org/officeDocument/2006/math">
+                    <m:r>
+                      <a:rPr lang="en-US" i="1" smtClean="0">
+                        <a:solidFill>
+                          <a:srgbClr val="FF0000"/>
+                        </a:solidFill>
+                        <a:latin typeface="Cambria Math" panose="02040503050406030204" pitchFamily="18" charset="0"/>
+                        <a:ea typeface="Cambria Math" panose="02040503050406030204" pitchFamily="18" charset="0"/>
+                      </a:rPr>
+                      <m:t>𝜇</m:t>
+                    </m:r>
+                  </m:oMath>
+                </a14:m>
+                <a:endParaRPr lang="en-US" dirty="0">
+                  <a:solidFill>
+                    <a:srgbClr val="FF0000"/>
+                  </a:solidFill>
+                </a:endParaRPr>
+              </a:p>
+            </p:txBody>
+          </p:sp>
+        </mc:Choice>
+        <mc:Fallback>
+          <p:sp>
+            <p:nvSpPr>
+              <p:cNvPr id="7" name="TextBox 6">
+                <a:extLst>
+                  <a:ext uri="{FF2B5EF4-FFF2-40B4-BE49-F238E27FC236}">
+                    <a16:creationId xmlns:a16="http://schemas.microsoft.com/office/drawing/2014/main" id="{C81E8714-69F9-F11C-FB10-D40465BBD011}"/>
+                  </a:ext>
+                </a:extLst>
+              </p:cNvPr>
+              <p:cNvSpPr txBox="1">
+                <a:spLocks noRot="1" noChangeAspect="1" noMove="1" noResize="1" noEditPoints="1" noAdjustHandles="1" noChangeArrowheads="1" noChangeShapeType="1" noTextEdit="1"/>
+              </p:cNvSpPr>
+              <p:nvPr/>
+            </p:nvSpPr>
+            <p:spPr>
+              <a:xfrm>
+                <a:off x="3408216" y="546265"/>
+                <a:ext cx="2375065" cy="369332"/>
+              </a:xfrm>
+              <a:prstGeom prst="rect">
+                <a:avLst/>
+              </a:prstGeom>
+              <a:blipFill>
+                <a:blip r:embed="rId5"/>
+                <a:stretch>
+                  <a:fillRect l="-2128" t="-10345" b="-27586"/>
+                </a:stretch>
+              </a:blipFill>
+            </p:spPr>
+            <p:txBody>
+              <a:bodyPr/>
+              <a:lstStyle/>
+              <a:p>
+                <a:r>
+                  <a:rPr lang="en-US">
+                    <a:noFill/>
+                  </a:rPr>
+                  <a:t> </a:t>
+                </a:r>
+              </a:p>
+            </p:txBody>
+          </p:sp>
+        </mc:Fallback>
+      </mc:AlternateContent>
     </p:spTree>
     <p:extLst>
       <p:ext uri="{BB962C8B-B14F-4D97-AF65-F5344CB8AC3E}">
@@ -9138,7 +9721,7 @@
         <p:spPr>
           <a:xfrm>
             <a:off x="393700" y="-47336"/>
-            <a:ext cx="8496300" cy="6494085"/>
+            <a:ext cx="8496300" cy="6924973"/>
           </a:xfrm>
           <a:prstGeom prst="rect">
             <a:avLst/>
@@ -9263,7 +9846,7 @@
                   <a:srgbClr val="7030A0"/>
                 </a:solidFill>
               </a:rPr>
-              <a:t>in modelling</a:t>
+              <a:t>in climate modelling</a:t>
             </a:r>
             <a:r>
               <a:rPr lang="en-US" sz="2800" dirty="0">
@@ -10121,1492 +10704,8 @@
           <a:chExt cx="0" cy="0"/>
         </a:xfrm>
       </p:grpSpPr>
-      <p:pic>
-        <p:nvPicPr>
-          <p:cNvPr id="5" name="Picture 4">
-            <a:extLst>
-              <a:ext uri="{FF2B5EF4-FFF2-40B4-BE49-F238E27FC236}">
-                <a16:creationId xmlns:a16="http://schemas.microsoft.com/office/drawing/2014/main" id="{BCE172E5-8C47-6F45-8F3B-54A2125E60C4}"/>
-              </a:ext>
-            </a:extLst>
-          </p:cNvPr>
-          <p:cNvPicPr>
-            <a:picLocks noChangeAspect="1"/>
-          </p:cNvPicPr>
-          <p:nvPr/>
-        </p:nvPicPr>
-        <p:blipFill>
-          <a:blip r:embed="rId2"/>
-          <a:stretch>
-            <a:fillRect/>
-          </a:stretch>
-        </p:blipFill>
-        <p:spPr>
-          <a:xfrm>
-            <a:off x="977875" y="1468546"/>
-            <a:ext cx="6746054" cy="5377879"/>
-          </a:xfrm>
-          <a:prstGeom prst="rect">
-            <a:avLst/>
-          </a:prstGeom>
-        </p:spPr>
-      </p:pic>
-      <p:sp>
-        <p:nvSpPr>
-          <p:cNvPr id="6" name="Rectangle 5">
-            <a:extLst>
-              <a:ext uri="{FF2B5EF4-FFF2-40B4-BE49-F238E27FC236}">
-                <a16:creationId xmlns:a16="http://schemas.microsoft.com/office/drawing/2014/main" id="{64A51EBA-CFC7-1046-884E-1CC258EB2C2D}"/>
-              </a:ext>
-            </a:extLst>
-          </p:cNvPr>
-          <p:cNvSpPr/>
-          <p:nvPr/>
-        </p:nvSpPr>
-        <p:spPr>
-          <a:xfrm>
-            <a:off x="4082372" y="6280276"/>
-            <a:ext cx="870857" cy="653143"/>
-          </a:xfrm>
-          <a:prstGeom prst="rect">
-            <a:avLst/>
-          </a:prstGeom>
-          <a:solidFill>
-            <a:schemeClr val="bg1"/>
-          </a:solidFill>
-          <a:ln>
-            <a:noFill/>
-          </a:ln>
-          <a:effectLst/>
-        </p:spPr>
-        <p:style>
-          <a:lnRef idx="1">
-            <a:schemeClr val="accent1"/>
-          </a:lnRef>
-          <a:fillRef idx="3">
-            <a:schemeClr val="accent1"/>
-          </a:fillRef>
-          <a:effectRef idx="2">
-            <a:schemeClr val="accent1"/>
-          </a:effectRef>
-          <a:fontRef idx="minor">
-            <a:schemeClr val="lt1"/>
-          </a:fontRef>
-        </p:style>
-        <p:txBody>
-          <a:bodyPr rtlCol="0" anchor="ctr"/>
-          <a:lstStyle/>
-          <a:p>
-            <a:pPr algn="ctr"/>
-            <a:endParaRPr lang="en-US"/>
-          </a:p>
-        </p:txBody>
-      </p:sp>
-      <p:sp>
-        <p:nvSpPr>
-          <p:cNvPr id="7" name="Rectangle 6">
-            <a:extLst>
-              <a:ext uri="{FF2B5EF4-FFF2-40B4-BE49-F238E27FC236}">
-                <a16:creationId xmlns:a16="http://schemas.microsoft.com/office/drawing/2014/main" id="{DD7CE4F3-366E-FF4D-B29B-EA882A44B5B4}"/>
-              </a:ext>
-            </a:extLst>
-          </p:cNvPr>
-          <p:cNvSpPr/>
-          <p:nvPr/>
-        </p:nvSpPr>
-        <p:spPr>
-          <a:xfrm>
-            <a:off x="542447" y="3272787"/>
-            <a:ext cx="870857" cy="653143"/>
-          </a:xfrm>
-          <a:prstGeom prst="rect">
-            <a:avLst/>
-          </a:prstGeom>
-          <a:solidFill>
-            <a:schemeClr val="bg1"/>
-          </a:solidFill>
-          <a:ln>
-            <a:noFill/>
-          </a:ln>
-          <a:effectLst/>
-        </p:spPr>
-        <p:style>
-          <a:lnRef idx="1">
-            <a:schemeClr val="accent1"/>
-          </a:lnRef>
-          <a:fillRef idx="3">
-            <a:schemeClr val="accent1"/>
-          </a:fillRef>
-          <a:effectRef idx="2">
-            <a:schemeClr val="accent1"/>
-          </a:effectRef>
-          <a:fontRef idx="minor">
-            <a:schemeClr val="lt1"/>
-          </a:fontRef>
-        </p:style>
-        <p:txBody>
-          <a:bodyPr rtlCol="0" anchor="ctr"/>
-          <a:lstStyle/>
-          <a:p>
-            <a:pPr algn="ctr"/>
-            <a:endParaRPr lang="en-US"/>
-          </a:p>
-        </p:txBody>
-      </p:sp>
-      <p:sp>
-        <p:nvSpPr>
-          <p:cNvPr id="9" name="TextBox 8">
-            <a:extLst>
-              <a:ext uri="{FF2B5EF4-FFF2-40B4-BE49-F238E27FC236}">
-                <a16:creationId xmlns:a16="http://schemas.microsoft.com/office/drawing/2014/main" id="{2309A276-6007-244A-9378-8FDA8BD9D3D5}"/>
-              </a:ext>
-            </a:extLst>
-          </p:cNvPr>
-          <p:cNvSpPr txBox="1"/>
-          <p:nvPr/>
-        </p:nvSpPr>
-        <p:spPr>
-          <a:xfrm>
-            <a:off x="185195" y="3275635"/>
-            <a:ext cx="1724628" cy="523220"/>
-          </a:xfrm>
-          <a:prstGeom prst="rect">
-            <a:avLst/>
-          </a:prstGeom>
-          <a:noFill/>
-        </p:spPr>
-        <p:txBody>
-          <a:bodyPr wrap="square" rtlCol="0">
-            <a:spAutoFit/>
-          </a:bodyPr>
-          <a:lstStyle/>
-          <a:p>
-            <a:r>
-              <a:rPr lang="en-US" sz="2800" dirty="0">
-                <a:solidFill>
-                  <a:schemeClr val="accent1"/>
-                </a:solidFill>
-              </a:rPr>
-              <a:t>V = T - S</a:t>
-            </a:r>
-          </a:p>
-        </p:txBody>
-      </p:sp>
-      <p:sp>
-        <p:nvSpPr>
-          <p:cNvPr id="10" name="TextBox 9">
-            <a:extLst>
-              <a:ext uri="{FF2B5EF4-FFF2-40B4-BE49-F238E27FC236}">
-                <a16:creationId xmlns:a16="http://schemas.microsoft.com/office/drawing/2014/main" id="{EC9A012A-F94A-B84F-B048-5A0BC556D404}"/>
-              </a:ext>
-            </a:extLst>
-          </p:cNvPr>
-          <p:cNvSpPr txBox="1"/>
-          <p:nvPr/>
-        </p:nvSpPr>
-        <p:spPr>
-          <a:xfrm>
-            <a:off x="5891515" y="3426106"/>
-            <a:ext cx="1574157" cy="369332"/>
-          </a:xfrm>
-          <a:prstGeom prst="rect">
-            <a:avLst/>
-          </a:prstGeom>
-          <a:noFill/>
-        </p:spPr>
-        <p:txBody>
-          <a:bodyPr wrap="square" rtlCol="0">
-            <a:spAutoFit/>
-          </a:bodyPr>
-          <a:lstStyle/>
-          <a:p>
-            <a:r>
-              <a:rPr lang="en-US" dirty="0">
-                <a:solidFill>
-                  <a:srgbClr val="00B0F0"/>
-                </a:solidFill>
-              </a:rPr>
-              <a:t>Saddle-Node</a:t>
-            </a:r>
-          </a:p>
-        </p:txBody>
-      </p:sp>
-      <p:sp>
-        <p:nvSpPr>
-          <p:cNvPr id="11" name="TextBox 10">
-            <a:extLst>
-              <a:ext uri="{FF2B5EF4-FFF2-40B4-BE49-F238E27FC236}">
-                <a16:creationId xmlns:a16="http://schemas.microsoft.com/office/drawing/2014/main" id="{025A7616-C606-3440-A774-C3134DD906A0}"/>
-              </a:ext>
-            </a:extLst>
-          </p:cNvPr>
-          <p:cNvSpPr txBox="1"/>
-          <p:nvPr/>
-        </p:nvSpPr>
-        <p:spPr>
-          <a:xfrm>
-            <a:off x="5089368" y="2210766"/>
-            <a:ext cx="1299856" cy="369332"/>
-          </a:xfrm>
-          <a:prstGeom prst="rect">
-            <a:avLst/>
-          </a:prstGeom>
-          <a:noFill/>
-        </p:spPr>
-        <p:txBody>
-          <a:bodyPr wrap="square" rtlCol="0">
-            <a:spAutoFit/>
-          </a:bodyPr>
-          <a:lstStyle/>
-          <a:p>
-            <a:r>
-              <a:rPr lang="en-US" dirty="0"/>
-              <a:t>Node</a:t>
-            </a:r>
-          </a:p>
-        </p:txBody>
-      </p:sp>
-      <p:sp>
-        <p:nvSpPr>
-          <p:cNvPr id="12" name="TextBox 11">
-            <a:extLst>
-              <a:ext uri="{FF2B5EF4-FFF2-40B4-BE49-F238E27FC236}">
-                <a16:creationId xmlns:a16="http://schemas.microsoft.com/office/drawing/2014/main" id="{E3DAAE2D-BBCE-C548-9342-ECCF0DE4302B}"/>
-              </a:ext>
-            </a:extLst>
-          </p:cNvPr>
-          <p:cNvSpPr txBox="1"/>
-          <p:nvPr/>
-        </p:nvSpPr>
-        <p:spPr>
-          <a:xfrm>
-            <a:off x="5197033" y="4076402"/>
-            <a:ext cx="1493133" cy="369332"/>
-          </a:xfrm>
-          <a:prstGeom prst="rect">
-            <a:avLst/>
-          </a:prstGeom>
-          <a:noFill/>
-        </p:spPr>
-        <p:txBody>
-          <a:bodyPr wrap="square" rtlCol="0">
-            <a:spAutoFit/>
-          </a:bodyPr>
-          <a:lstStyle/>
-          <a:p>
-            <a:r>
-              <a:rPr lang="en-US" dirty="0"/>
-              <a:t>Saddle</a:t>
-            </a:r>
-          </a:p>
-        </p:txBody>
-      </p:sp>
-      <p:sp>
-        <p:nvSpPr>
-          <p:cNvPr id="13" name="TextBox 12">
-            <a:extLst>
-              <a:ext uri="{FF2B5EF4-FFF2-40B4-BE49-F238E27FC236}">
-                <a16:creationId xmlns:a16="http://schemas.microsoft.com/office/drawing/2014/main" id="{0E05B307-5F8D-B043-990C-8CAE4180AE2E}"/>
-              </a:ext>
-            </a:extLst>
-          </p:cNvPr>
-          <p:cNvSpPr txBox="1"/>
-          <p:nvPr/>
-        </p:nvSpPr>
-        <p:spPr>
-          <a:xfrm>
-            <a:off x="5228269" y="5266483"/>
-            <a:ext cx="1739692" cy="369332"/>
-          </a:xfrm>
-          <a:prstGeom prst="rect">
-            <a:avLst/>
-          </a:prstGeom>
-          <a:noFill/>
-        </p:spPr>
-        <p:txBody>
-          <a:bodyPr wrap="square" rtlCol="0">
-            <a:spAutoFit/>
-          </a:bodyPr>
-          <a:lstStyle/>
-          <a:p>
-            <a:r>
-              <a:rPr lang="en-US" dirty="0"/>
-              <a:t>Focus</a:t>
-            </a:r>
-          </a:p>
-        </p:txBody>
-      </p:sp>
-      <p:sp>
-        <p:nvSpPr>
-          <p:cNvPr id="14" name="TextBox 13">
-            <a:extLst>
-              <a:ext uri="{FF2B5EF4-FFF2-40B4-BE49-F238E27FC236}">
-                <a16:creationId xmlns:a16="http://schemas.microsoft.com/office/drawing/2014/main" id="{6F10C73A-354A-BA4B-B93F-A75692058031}"/>
-              </a:ext>
-            </a:extLst>
-          </p:cNvPr>
-          <p:cNvSpPr txBox="1"/>
-          <p:nvPr/>
-        </p:nvSpPr>
-        <p:spPr>
-          <a:xfrm>
-            <a:off x="3192808" y="4158687"/>
-            <a:ext cx="2514823" cy="400110"/>
-          </a:xfrm>
-          <a:prstGeom prst="rect">
-            <a:avLst/>
-          </a:prstGeom>
-          <a:noFill/>
-        </p:spPr>
-        <p:txBody>
-          <a:bodyPr wrap="square" rtlCol="0">
-            <a:spAutoFit/>
-          </a:bodyPr>
-          <a:lstStyle/>
-          <a:p>
-            <a:r>
-              <a:rPr lang="en-US" sz="2000" dirty="0">
-                <a:solidFill>
-                  <a:srgbClr val="00B0F0"/>
-                </a:solidFill>
-              </a:rPr>
-              <a:t>Non-smooth fold</a:t>
-            </a:r>
-          </a:p>
-        </p:txBody>
-      </p:sp>
-      <p:sp>
-        <p:nvSpPr>
-          <p:cNvPr id="15" name="Rectangle 14">
-            <a:extLst>
-              <a:ext uri="{FF2B5EF4-FFF2-40B4-BE49-F238E27FC236}">
-                <a16:creationId xmlns:a16="http://schemas.microsoft.com/office/drawing/2014/main" id="{2CB608E6-C83F-4149-9423-656A1CB3E6F9}"/>
-              </a:ext>
-            </a:extLst>
-          </p:cNvPr>
-          <p:cNvSpPr/>
-          <p:nvPr/>
-        </p:nvSpPr>
-        <p:spPr>
-          <a:xfrm>
-            <a:off x="2776361" y="5008994"/>
-            <a:ext cx="870857" cy="653143"/>
-          </a:xfrm>
-          <a:prstGeom prst="rect">
-            <a:avLst/>
-          </a:prstGeom>
-          <a:solidFill>
-            <a:schemeClr val="bg1"/>
-          </a:solidFill>
-          <a:ln>
-            <a:noFill/>
-          </a:ln>
-          <a:effectLst/>
-        </p:spPr>
-        <p:style>
-          <a:lnRef idx="1">
-            <a:schemeClr val="accent1"/>
-          </a:lnRef>
-          <a:fillRef idx="3">
-            <a:schemeClr val="accent1"/>
-          </a:fillRef>
-          <a:effectRef idx="2">
-            <a:schemeClr val="accent1"/>
-          </a:effectRef>
-          <a:fontRef idx="minor">
-            <a:schemeClr val="lt1"/>
-          </a:fontRef>
-        </p:style>
-        <p:txBody>
-          <a:bodyPr rtlCol="0" anchor="ctr"/>
-          <a:lstStyle/>
-          <a:p>
-            <a:pPr algn="ctr"/>
-            <a:endParaRPr lang="en-US"/>
-          </a:p>
-        </p:txBody>
-      </p:sp>
-      <p:sp>
-        <p:nvSpPr>
-          <p:cNvPr id="16" name="Rectangle 15">
-            <a:extLst>
-              <a:ext uri="{FF2B5EF4-FFF2-40B4-BE49-F238E27FC236}">
-                <a16:creationId xmlns:a16="http://schemas.microsoft.com/office/drawing/2014/main" id="{A32AD190-05A9-E74A-8C0C-05462555CC28}"/>
-              </a:ext>
-            </a:extLst>
-          </p:cNvPr>
-          <p:cNvSpPr/>
-          <p:nvPr/>
-        </p:nvSpPr>
-        <p:spPr>
-          <a:xfrm>
-            <a:off x="6366438" y="2198278"/>
-            <a:ext cx="870857" cy="653143"/>
-          </a:xfrm>
-          <a:prstGeom prst="rect">
-            <a:avLst/>
-          </a:prstGeom>
-          <a:solidFill>
-            <a:schemeClr val="bg1"/>
-          </a:solidFill>
-          <a:ln>
-            <a:noFill/>
-          </a:ln>
-          <a:effectLst/>
-        </p:spPr>
-        <p:style>
-          <a:lnRef idx="1">
-            <a:schemeClr val="accent1"/>
-          </a:lnRef>
-          <a:fillRef idx="3">
-            <a:schemeClr val="accent1"/>
-          </a:fillRef>
-          <a:effectRef idx="2">
-            <a:schemeClr val="accent1"/>
-          </a:effectRef>
-          <a:fontRef idx="minor">
-            <a:schemeClr val="lt1"/>
-          </a:fontRef>
-        </p:style>
-        <p:txBody>
-          <a:bodyPr rtlCol="0" anchor="ctr"/>
-          <a:lstStyle/>
-          <a:p>
-            <a:pPr algn="ctr"/>
-            <a:endParaRPr lang="en-US"/>
-          </a:p>
-        </p:txBody>
-      </p:sp>
-      <p:sp>
-        <p:nvSpPr>
-          <p:cNvPr id="17" name="Rectangle 16">
-            <a:extLst>
-              <a:ext uri="{FF2B5EF4-FFF2-40B4-BE49-F238E27FC236}">
-                <a16:creationId xmlns:a16="http://schemas.microsoft.com/office/drawing/2014/main" id="{101391A5-6588-E548-9CA4-40B7D89573E0}"/>
-              </a:ext>
-            </a:extLst>
-          </p:cNvPr>
-          <p:cNvSpPr/>
-          <p:nvPr/>
-        </p:nvSpPr>
-        <p:spPr>
-          <a:xfrm>
-            <a:off x="6255151" y="5430878"/>
-            <a:ext cx="569089" cy="453014"/>
-          </a:xfrm>
-          <a:prstGeom prst="rect">
-            <a:avLst/>
-          </a:prstGeom>
-          <a:solidFill>
-            <a:schemeClr val="bg1"/>
-          </a:solidFill>
-          <a:ln>
-            <a:noFill/>
-          </a:ln>
-          <a:effectLst/>
-        </p:spPr>
-        <p:style>
-          <a:lnRef idx="1">
-            <a:schemeClr val="accent1"/>
-          </a:lnRef>
-          <a:fillRef idx="3">
-            <a:schemeClr val="accent1"/>
-          </a:fillRef>
-          <a:effectRef idx="2">
-            <a:schemeClr val="accent1"/>
-          </a:effectRef>
-          <a:fontRef idx="minor">
-            <a:schemeClr val="lt1"/>
-          </a:fontRef>
-        </p:style>
-        <p:txBody>
-          <a:bodyPr rtlCol="0" anchor="ctr"/>
-          <a:lstStyle/>
-          <a:p>
-            <a:pPr algn="ctr"/>
-            <a:endParaRPr lang="en-US"/>
-          </a:p>
-        </p:txBody>
-      </p:sp>
-      <p:sp>
-        <p:nvSpPr>
-          <p:cNvPr id="2" name="TextBox 1">
-            <a:extLst>
-              <a:ext uri="{FF2B5EF4-FFF2-40B4-BE49-F238E27FC236}">
-                <a16:creationId xmlns:a16="http://schemas.microsoft.com/office/drawing/2014/main" id="{B52E89F5-366F-8E41-85D4-F71BCEEA4506}"/>
-              </a:ext>
-            </a:extLst>
-          </p:cNvPr>
-          <p:cNvSpPr txBox="1"/>
-          <p:nvPr/>
-        </p:nvSpPr>
-        <p:spPr>
-          <a:xfrm>
-            <a:off x="3055716" y="2835799"/>
-            <a:ext cx="1897513" cy="461665"/>
-          </a:xfrm>
-          <a:prstGeom prst="rect">
-            <a:avLst/>
-          </a:prstGeom>
-          <a:noFill/>
-        </p:spPr>
-        <p:txBody>
-          <a:bodyPr wrap="square" rtlCol="0">
-            <a:spAutoFit/>
-          </a:bodyPr>
-          <a:lstStyle/>
-          <a:p>
-            <a:r>
-              <a:rPr lang="en-US" sz="2400" dirty="0">
-                <a:solidFill>
-                  <a:srgbClr val="7030A0"/>
-                </a:solidFill>
-              </a:rPr>
-              <a:t>NSB-Tipping</a:t>
-            </a:r>
-          </a:p>
-        </p:txBody>
-      </p:sp>
-      <p:sp>
-        <p:nvSpPr>
-          <p:cNvPr id="3" name="TextBox 2">
-            <a:extLst>
-              <a:ext uri="{FF2B5EF4-FFF2-40B4-BE49-F238E27FC236}">
-                <a16:creationId xmlns:a16="http://schemas.microsoft.com/office/drawing/2014/main" id="{4D1ABF97-DC15-2147-90C3-293C75D7D617}"/>
-              </a:ext>
-            </a:extLst>
-          </p:cNvPr>
-          <p:cNvSpPr txBox="1"/>
-          <p:nvPr/>
-        </p:nvSpPr>
-        <p:spPr>
-          <a:xfrm>
-            <a:off x="285455" y="104169"/>
-            <a:ext cx="9107927" cy="523220"/>
-          </a:xfrm>
-          <a:prstGeom prst="rect">
-            <a:avLst/>
-          </a:prstGeom>
-          <a:noFill/>
-        </p:spPr>
-        <p:txBody>
-          <a:bodyPr wrap="square" rtlCol="0">
-            <a:spAutoFit/>
-          </a:bodyPr>
-          <a:lstStyle/>
-          <a:p>
-            <a:r>
-              <a:rPr lang="en-US" sz="2800" dirty="0">
-                <a:solidFill>
-                  <a:srgbClr val="7030A0"/>
-                </a:solidFill>
-              </a:rPr>
-              <a:t>Basic dynamics close to non-smooth fold for slowly varying  </a:t>
-            </a:r>
-          </a:p>
-        </p:txBody>
-      </p:sp>
-      <p:pic>
-        <p:nvPicPr>
-          <p:cNvPr id="20" name="Picture 19">
-            <a:extLst>
-              <a:ext uri="{FF2B5EF4-FFF2-40B4-BE49-F238E27FC236}">
-                <a16:creationId xmlns:a16="http://schemas.microsoft.com/office/drawing/2014/main" id="{C3447198-7B18-954C-BF27-045ED4E18741}"/>
-              </a:ext>
-            </a:extLst>
-          </p:cNvPr>
-          <p:cNvPicPr>
-            <a:picLocks noChangeAspect="1"/>
-          </p:cNvPicPr>
-          <p:nvPr/>
-        </p:nvPicPr>
-        <p:blipFill>
-          <a:blip r:embed="rId3"/>
-          <a:stretch>
-            <a:fillRect/>
-          </a:stretch>
-        </p:blipFill>
-        <p:spPr>
-          <a:xfrm>
-            <a:off x="1619250" y="751791"/>
-            <a:ext cx="5905500" cy="469900"/>
-          </a:xfrm>
-          <a:prstGeom prst="rect">
-            <a:avLst/>
-          </a:prstGeom>
-        </p:spPr>
-      </p:pic>
-      <p:pic>
-        <p:nvPicPr>
-          <p:cNvPr id="21" name="Picture 20">
-            <a:extLst>
-              <a:ext uri="{FF2B5EF4-FFF2-40B4-BE49-F238E27FC236}">
-                <a16:creationId xmlns:a16="http://schemas.microsoft.com/office/drawing/2014/main" id="{5B2DC92A-C615-4948-8177-39D44C6B46BA}"/>
-              </a:ext>
-            </a:extLst>
-          </p:cNvPr>
-          <p:cNvPicPr>
-            <a:picLocks noChangeAspect="1"/>
-          </p:cNvPicPr>
-          <p:nvPr/>
-        </p:nvPicPr>
-        <p:blipFill>
-          <a:blip r:embed="rId4"/>
-          <a:stretch>
-            <a:fillRect/>
-          </a:stretch>
-        </p:blipFill>
-        <p:spPr>
-          <a:xfrm>
-            <a:off x="4445000" y="6129197"/>
-            <a:ext cx="254000" cy="317500"/>
-          </a:xfrm>
-          <a:prstGeom prst="rect">
-            <a:avLst/>
-          </a:prstGeom>
-        </p:spPr>
-      </p:pic>
-      <p:sp>
-        <p:nvSpPr>
-          <p:cNvPr id="4" name="TextBox 3">
-            <a:extLst>
-              <a:ext uri="{FF2B5EF4-FFF2-40B4-BE49-F238E27FC236}">
-                <a16:creationId xmlns:a16="http://schemas.microsoft.com/office/drawing/2014/main" id="{99E29A2E-BD7D-7842-AEB6-47C3BFB8B550}"/>
-              </a:ext>
-            </a:extLst>
-          </p:cNvPr>
-          <p:cNvSpPr txBox="1"/>
-          <p:nvPr/>
-        </p:nvSpPr>
-        <p:spPr>
-          <a:xfrm>
-            <a:off x="2718486" y="1724626"/>
-            <a:ext cx="2547993" cy="338554"/>
-          </a:xfrm>
-          <a:prstGeom prst="rect">
-            <a:avLst/>
-          </a:prstGeom>
-          <a:noFill/>
-        </p:spPr>
-        <p:txBody>
-          <a:bodyPr wrap="square" rtlCol="0">
-            <a:spAutoFit/>
-          </a:bodyPr>
-          <a:lstStyle/>
-          <a:p>
-            <a:r>
-              <a:rPr lang="en-US" sz="1600" i="1" dirty="0">
-                <a:solidFill>
-                  <a:srgbClr val="7030A0"/>
-                </a:solidFill>
-              </a:rPr>
-              <a:t>Temperature dominated </a:t>
-            </a:r>
-          </a:p>
-        </p:txBody>
-      </p:sp>
-      <p:sp>
-        <p:nvSpPr>
-          <p:cNvPr id="8" name="TextBox 7">
-            <a:extLst>
-              <a:ext uri="{FF2B5EF4-FFF2-40B4-BE49-F238E27FC236}">
-                <a16:creationId xmlns:a16="http://schemas.microsoft.com/office/drawing/2014/main" id="{EA730A49-FDFF-8E45-BB53-D20DADB18A6E}"/>
-              </a:ext>
-            </a:extLst>
-          </p:cNvPr>
-          <p:cNvSpPr txBox="1"/>
-          <p:nvPr/>
-        </p:nvSpPr>
-        <p:spPr>
-          <a:xfrm>
-            <a:off x="3647218" y="5554792"/>
-            <a:ext cx="2607933" cy="338554"/>
-          </a:xfrm>
-          <a:prstGeom prst="rect">
-            <a:avLst/>
-          </a:prstGeom>
-          <a:noFill/>
-        </p:spPr>
-        <p:txBody>
-          <a:bodyPr wrap="square" rtlCol="0">
-            <a:spAutoFit/>
-          </a:bodyPr>
-          <a:lstStyle/>
-          <a:p>
-            <a:r>
-              <a:rPr lang="en-US" sz="1600" i="1" dirty="0">
-                <a:solidFill>
-                  <a:srgbClr val="7030A0"/>
-                </a:solidFill>
-              </a:rPr>
-              <a:t>Salinity dominated</a:t>
-            </a:r>
-          </a:p>
-        </p:txBody>
-      </p:sp>
-    </p:spTree>
-    <p:extLst>
-      <p:ext uri="{BB962C8B-B14F-4D97-AF65-F5344CB8AC3E}">
-        <p14:creationId xmlns:p14="http://schemas.microsoft.com/office/powerpoint/2010/main" val="847505881"/>
-      </p:ext>
-    </p:extLst>
-  </p:cSld>
-  <p:clrMapOvr>
-    <a:masterClrMapping/>
-  </p:clrMapOvr>
-</p:sld>
-</file>
-
-<file path=ppt/slides/slide6.xml><?xml version="1.0" encoding="utf-8"?>
-<p:sld xmlns:a="http://schemas.openxmlformats.org/drawingml/2006/main" xmlns:r="http://schemas.openxmlformats.org/officeDocument/2006/relationships" xmlns:p="http://schemas.openxmlformats.org/presentationml/2006/main">
-  <p:cSld>
-    <p:spTree>
-      <p:nvGrpSpPr>
-        <p:cNvPr id="1" name=""/>
-        <p:cNvGrpSpPr/>
-        <p:nvPr/>
-      </p:nvGrpSpPr>
-      <p:grpSpPr>
-        <a:xfrm>
-          <a:off x="0" y="0"/>
-          <a:ext cx="0" cy="0"/>
-          <a:chOff x="0" y="0"/>
-          <a:chExt cx="0" cy="0"/>
-        </a:xfrm>
-      </p:grpSpPr>
-      <p:pic>
-        <p:nvPicPr>
-          <p:cNvPr id="7" name="Picture 6" descr="A graph of a spiraling wave&#10;&#10;Description automatically generated with medium confidence">
-            <a:extLst>
-              <a:ext uri="{FF2B5EF4-FFF2-40B4-BE49-F238E27FC236}">
-                <a16:creationId xmlns:a16="http://schemas.microsoft.com/office/drawing/2014/main" id="{53D7DBDE-8B1C-C08E-8794-3983481DB4F3}"/>
-              </a:ext>
-            </a:extLst>
-          </p:cNvPr>
-          <p:cNvPicPr>
-            <a:picLocks noChangeAspect="1"/>
-          </p:cNvPicPr>
-          <p:nvPr/>
-        </p:nvPicPr>
-        <p:blipFill>
-          <a:blip r:embed="rId3"/>
-          <a:stretch>
-            <a:fillRect/>
-          </a:stretch>
-        </p:blipFill>
-        <p:spPr>
-          <a:xfrm>
-            <a:off x="869950" y="654050"/>
-            <a:ext cx="7404100" cy="5549900"/>
-          </a:xfrm>
-          <a:prstGeom prst="rect">
-            <a:avLst/>
-          </a:prstGeom>
-        </p:spPr>
-      </p:pic>
-      <p:sp>
-        <p:nvSpPr>
-          <p:cNvPr id="9" name="Rounded Rectangle 8">
-            <a:extLst>
-              <a:ext uri="{FF2B5EF4-FFF2-40B4-BE49-F238E27FC236}">
-                <a16:creationId xmlns:a16="http://schemas.microsoft.com/office/drawing/2014/main" id="{0B945F23-0B4A-BB44-9868-29DA947C5969}"/>
-              </a:ext>
-            </a:extLst>
-          </p:cNvPr>
-          <p:cNvSpPr/>
-          <p:nvPr/>
-        </p:nvSpPr>
-        <p:spPr>
-          <a:xfrm>
-            <a:off x="2257063" y="6155845"/>
-            <a:ext cx="5533150" cy="594114"/>
-          </a:xfrm>
-          <a:prstGeom prst="roundRect">
-            <a:avLst/>
-          </a:prstGeom>
-        </p:spPr>
-        <p:style>
-          <a:lnRef idx="1">
-            <a:schemeClr val="accent1"/>
-          </a:lnRef>
-          <a:fillRef idx="3">
-            <a:schemeClr val="accent1"/>
-          </a:fillRef>
-          <a:effectRef idx="2">
-            <a:schemeClr val="accent1"/>
-          </a:effectRef>
-          <a:fontRef idx="minor">
-            <a:schemeClr val="lt1"/>
-          </a:fontRef>
-        </p:style>
-        <p:txBody>
-          <a:bodyPr rtlCol="0" anchor="ctr"/>
-          <a:lstStyle/>
-          <a:p>
-            <a:pPr algn="ctr"/>
-            <a:endParaRPr lang="en-US"/>
-          </a:p>
-        </p:txBody>
-      </p:sp>
-      <p:sp>
-        <p:nvSpPr>
-          <p:cNvPr id="2" name="TextBox 1">
-            <a:extLst>
-              <a:ext uri="{FF2B5EF4-FFF2-40B4-BE49-F238E27FC236}">
-                <a16:creationId xmlns:a16="http://schemas.microsoft.com/office/drawing/2014/main" id="{1199DD3D-E4D9-374D-878E-D7732F26F244}"/>
-              </a:ext>
-            </a:extLst>
-          </p:cNvPr>
-          <p:cNvSpPr txBox="1"/>
-          <p:nvPr/>
-        </p:nvSpPr>
-        <p:spPr>
-          <a:xfrm>
-            <a:off x="285008" y="62836"/>
-            <a:ext cx="8858992" cy="954107"/>
-          </a:xfrm>
-          <a:prstGeom prst="rect">
-            <a:avLst/>
-          </a:prstGeom>
-          <a:noFill/>
-        </p:spPr>
-        <p:txBody>
-          <a:bodyPr wrap="square" rtlCol="0">
-            <a:spAutoFit/>
-          </a:bodyPr>
-          <a:lstStyle/>
-          <a:p>
-            <a:r>
-              <a:rPr lang="en-US" sz="2800" dirty="0">
-                <a:solidFill>
-                  <a:srgbClr val="0070C0"/>
-                </a:solidFill>
-              </a:rPr>
-              <a:t>Perturbation (T,V) phase plane close to non-smooth fold</a:t>
-            </a:r>
-          </a:p>
-          <a:p>
-            <a:r>
-              <a:rPr lang="en-US" sz="2800" dirty="0">
-                <a:solidFill>
-                  <a:srgbClr val="0070C0"/>
-                </a:solidFill>
-              </a:rPr>
-              <a:t>                              </a:t>
-            </a:r>
-            <a:r>
-              <a:rPr lang="en-US" sz="2800" dirty="0">
-                <a:solidFill>
-                  <a:srgbClr val="FF2CF7"/>
-                </a:solidFill>
-              </a:rPr>
-              <a:t>Saddle-Focus</a:t>
-            </a:r>
-          </a:p>
-        </p:txBody>
-      </p:sp>
-      <p:sp>
-        <p:nvSpPr>
-          <p:cNvPr id="4" name="TextBox 3">
-            <a:extLst>
-              <a:ext uri="{FF2B5EF4-FFF2-40B4-BE49-F238E27FC236}">
-                <a16:creationId xmlns:a16="http://schemas.microsoft.com/office/drawing/2014/main" id="{32C5482D-F489-9147-8061-CEBF9CA7C2B5}"/>
-              </a:ext>
-            </a:extLst>
-          </p:cNvPr>
-          <p:cNvSpPr txBox="1"/>
-          <p:nvPr/>
-        </p:nvSpPr>
-        <p:spPr>
-          <a:xfrm>
-            <a:off x="4714804" y="2148532"/>
-            <a:ext cx="1736203" cy="369332"/>
-          </a:xfrm>
-          <a:prstGeom prst="rect">
-            <a:avLst/>
-          </a:prstGeom>
-          <a:noFill/>
-        </p:spPr>
-        <p:txBody>
-          <a:bodyPr wrap="square" rtlCol="0">
-            <a:spAutoFit/>
-          </a:bodyPr>
-          <a:lstStyle/>
-          <a:p>
-            <a:r>
-              <a:rPr lang="en-US" dirty="0">
-                <a:solidFill>
-                  <a:srgbClr val="FF0000"/>
-                </a:solidFill>
-              </a:rPr>
-              <a:t>saddle</a:t>
-            </a:r>
-          </a:p>
-        </p:txBody>
-      </p:sp>
-      <p:sp>
-        <p:nvSpPr>
-          <p:cNvPr id="8" name="TextBox 7">
-            <a:extLst>
-              <a:ext uri="{FF2B5EF4-FFF2-40B4-BE49-F238E27FC236}">
-                <a16:creationId xmlns:a16="http://schemas.microsoft.com/office/drawing/2014/main" id="{AF5E4813-2B18-624B-BAE1-E063A9F29CD4}"/>
-              </a:ext>
-            </a:extLst>
-          </p:cNvPr>
-          <p:cNvSpPr txBox="1"/>
-          <p:nvPr/>
-        </p:nvSpPr>
-        <p:spPr>
-          <a:xfrm>
-            <a:off x="5284819" y="3931934"/>
-            <a:ext cx="850739" cy="369332"/>
-          </a:xfrm>
-          <a:prstGeom prst="rect">
-            <a:avLst/>
-          </a:prstGeom>
-          <a:noFill/>
-        </p:spPr>
-        <p:txBody>
-          <a:bodyPr wrap="square" rtlCol="0">
-            <a:spAutoFit/>
-          </a:bodyPr>
-          <a:lstStyle/>
-          <a:p>
-            <a:r>
-              <a:rPr lang="en-US" dirty="0">
-                <a:solidFill>
-                  <a:srgbClr val="FF2CF7"/>
-                </a:solidFill>
-              </a:rPr>
-              <a:t>focus</a:t>
-            </a:r>
-          </a:p>
-        </p:txBody>
-      </p:sp>
-      <p:pic>
-        <p:nvPicPr>
-          <p:cNvPr id="11" name="Picture 10">
-            <a:extLst>
-              <a:ext uri="{FF2B5EF4-FFF2-40B4-BE49-F238E27FC236}">
-                <a16:creationId xmlns:a16="http://schemas.microsoft.com/office/drawing/2014/main" id="{C3362A55-C476-714D-83CA-948856B298E9}"/>
-              </a:ext>
-            </a:extLst>
-          </p:cNvPr>
-          <p:cNvPicPr>
-            <a:picLocks noChangeAspect="1"/>
-          </p:cNvPicPr>
-          <p:nvPr/>
-        </p:nvPicPr>
-        <p:blipFill>
-          <a:blip r:embed="rId4"/>
-          <a:stretch>
-            <a:fillRect/>
-          </a:stretch>
-        </p:blipFill>
-        <p:spPr>
-          <a:xfrm>
-            <a:off x="3487585" y="2753716"/>
-            <a:ext cx="222756" cy="278446"/>
-          </a:xfrm>
-          <a:prstGeom prst="rect">
-            <a:avLst/>
-          </a:prstGeom>
-        </p:spPr>
-      </p:pic>
-      <p:cxnSp>
-        <p:nvCxnSpPr>
-          <p:cNvPr id="13" name="Straight Arrow Connector 12">
-            <a:extLst>
-              <a:ext uri="{FF2B5EF4-FFF2-40B4-BE49-F238E27FC236}">
-                <a16:creationId xmlns:a16="http://schemas.microsoft.com/office/drawing/2014/main" id="{F1AA15AD-27C3-7240-AB0D-5EDCAE69DC7F}"/>
-              </a:ext>
-            </a:extLst>
-          </p:cNvPr>
-          <p:cNvCxnSpPr>
-            <a:cxnSpLocks/>
-          </p:cNvCxnSpPr>
-          <p:nvPr/>
-        </p:nvCxnSpPr>
-        <p:spPr>
-          <a:xfrm>
-            <a:off x="4166396" y="2766349"/>
-            <a:ext cx="0" cy="570617"/>
-          </a:xfrm>
-          <a:prstGeom prst="straightConnector1">
-            <a:avLst/>
-          </a:prstGeom>
-          <a:ln>
-            <a:headEnd type="triangle"/>
-            <a:tailEnd type="triangle"/>
-          </a:ln>
-        </p:spPr>
-        <p:style>
-          <a:lnRef idx="2">
-            <a:schemeClr val="accent1"/>
-          </a:lnRef>
-          <a:fillRef idx="0">
-            <a:schemeClr val="accent1"/>
-          </a:fillRef>
-          <a:effectRef idx="1">
-            <a:schemeClr val="accent1"/>
-          </a:effectRef>
-          <a:fontRef idx="minor">
-            <a:schemeClr val="tx1"/>
-          </a:fontRef>
-        </p:style>
-      </p:cxnSp>
-      <p:pic>
-        <p:nvPicPr>
-          <p:cNvPr id="12" name="Picture 11">
-            <a:extLst>
-              <a:ext uri="{FF2B5EF4-FFF2-40B4-BE49-F238E27FC236}">
-                <a16:creationId xmlns:a16="http://schemas.microsoft.com/office/drawing/2014/main" id="{84998117-42F7-DB49-BF85-03D149976DD1}"/>
-              </a:ext>
-            </a:extLst>
-          </p:cNvPr>
-          <p:cNvPicPr>
-            <a:picLocks noChangeAspect="1"/>
-          </p:cNvPicPr>
-          <p:nvPr/>
-        </p:nvPicPr>
-        <p:blipFill>
-          <a:blip r:embed="rId5"/>
-          <a:stretch>
-            <a:fillRect/>
-          </a:stretch>
-        </p:blipFill>
-        <p:spPr>
-          <a:xfrm>
-            <a:off x="2538794" y="6238970"/>
-            <a:ext cx="4483100" cy="419100"/>
-          </a:xfrm>
-          <a:prstGeom prst="rect">
-            <a:avLst/>
-          </a:prstGeom>
-        </p:spPr>
-      </p:pic>
-      <p:sp>
-        <p:nvSpPr>
-          <p:cNvPr id="3" name="5-point Star 2">
-            <a:extLst>
-              <a:ext uri="{FF2B5EF4-FFF2-40B4-BE49-F238E27FC236}">
-                <a16:creationId xmlns:a16="http://schemas.microsoft.com/office/drawing/2014/main" id="{C88AB114-5F3D-2408-D551-D63A9E62D3B6}"/>
-              </a:ext>
-            </a:extLst>
-          </p:cNvPr>
-          <p:cNvSpPr/>
-          <p:nvPr/>
-        </p:nvSpPr>
-        <p:spPr>
-          <a:xfrm>
-            <a:off x="1377537" y="625964"/>
-            <a:ext cx="356260" cy="369332"/>
-          </a:xfrm>
-          <a:prstGeom prst="star5">
-            <a:avLst/>
-          </a:prstGeom>
-        </p:spPr>
-        <p:style>
-          <a:lnRef idx="1">
-            <a:schemeClr val="accent1"/>
-          </a:lnRef>
-          <a:fillRef idx="3">
-            <a:schemeClr val="accent1"/>
-          </a:fillRef>
-          <a:effectRef idx="2">
-            <a:schemeClr val="accent1"/>
-          </a:effectRef>
-          <a:fontRef idx="minor">
-            <a:schemeClr val="lt1"/>
-          </a:fontRef>
-        </p:style>
-        <p:txBody>
-          <a:bodyPr rtlCol="0" anchor="ctr"/>
-          <a:lstStyle/>
-          <a:p>
-            <a:pPr algn="ctr"/>
-            <a:endParaRPr lang="en-US"/>
-          </a:p>
-        </p:txBody>
-      </p:sp>
-      <p:sp>
-        <p:nvSpPr>
-          <p:cNvPr id="5" name="TextBox 4">
-            <a:extLst>
-              <a:ext uri="{FF2B5EF4-FFF2-40B4-BE49-F238E27FC236}">
-                <a16:creationId xmlns:a16="http://schemas.microsoft.com/office/drawing/2014/main" id="{C61EEDC0-EAC8-5216-839B-7C6812535FA3}"/>
-              </a:ext>
-            </a:extLst>
-          </p:cNvPr>
-          <p:cNvSpPr txBox="1"/>
-          <p:nvPr/>
-        </p:nvSpPr>
-        <p:spPr>
-          <a:xfrm>
-            <a:off x="71268" y="641275"/>
-            <a:ext cx="1935678" cy="369332"/>
-          </a:xfrm>
-          <a:prstGeom prst="rect">
-            <a:avLst/>
-          </a:prstGeom>
-          <a:noFill/>
-        </p:spPr>
-        <p:txBody>
-          <a:bodyPr wrap="square" rtlCol="0">
-            <a:spAutoFit/>
-          </a:bodyPr>
-          <a:lstStyle/>
-          <a:p>
-            <a:r>
-              <a:rPr lang="en-US" dirty="0">
-                <a:solidFill>
-                  <a:srgbClr val="FF0000"/>
-                </a:solidFill>
-              </a:rPr>
-              <a:t>Stable node</a:t>
-            </a:r>
-          </a:p>
-        </p:txBody>
-      </p:sp>
-    </p:spTree>
-    <p:extLst>
-      <p:ext uri="{BB962C8B-B14F-4D97-AF65-F5344CB8AC3E}">
-        <p14:creationId xmlns:p14="http://schemas.microsoft.com/office/powerpoint/2010/main" val="1047813427"/>
-      </p:ext>
-    </p:extLst>
-  </p:cSld>
-  <p:clrMapOvr>
-    <a:masterClrMapping/>
-  </p:clrMapOvr>
-</p:sld>
-</file>
-
-<file path=ppt/slides/slide7.xml><?xml version="1.0" encoding="utf-8"?>
-<p:sld xmlns:a="http://schemas.openxmlformats.org/drawingml/2006/main" xmlns:r="http://schemas.openxmlformats.org/officeDocument/2006/relationships" xmlns:p="http://schemas.openxmlformats.org/presentationml/2006/main">
-  <p:cSld>
-    <p:spTree>
-      <p:nvGrpSpPr>
-        <p:cNvPr id="1" name=""/>
-        <p:cNvGrpSpPr/>
-        <p:nvPr/>
-      </p:nvGrpSpPr>
-      <p:grpSpPr>
-        <a:xfrm>
-          <a:off x="0" y="0"/>
-          <a:ext cx="0" cy="0"/>
-          <a:chOff x="0" y="0"/>
-          <a:chExt cx="0" cy="0"/>
-        </a:xfrm>
-      </p:grpSpPr>
-      <p:pic>
-        <p:nvPicPr>
-          <p:cNvPr id="17" name="Picture 16" descr="A graph of a graph of a wave&#10;&#10;Description automatically generated with medium confidence">
-            <a:extLst>
-              <a:ext uri="{FF2B5EF4-FFF2-40B4-BE49-F238E27FC236}">
-                <a16:creationId xmlns:a16="http://schemas.microsoft.com/office/drawing/2014/main" id="{214EE42E-9E9E-6E79-26DA-47D319D62795}"/>
-              </a:ext>
-            </a:extLst>
-          </p:cNvPr>
-          <p:cNvPicPr>
-            <a:picLocks noChangeAspect="1"/>
-          </p:cNvPicPr>
-          <p:nvPr/>
-        </p:nvPicPr>
-        <p:blipFill>
-          <a:blip r:embed="rId2"/>
-          <a:stretch>
-            <a:fillRect/>
-          </a:stretch>
-        </p:blipFill>
-        <p:spPr>
-          <a:xfrm>
-            <a:off x="1049025" y="332513"/>
-            <a:ext cx="7404100" cy="5549900"/>
-          </a:xfrm>
-          <a:prstGeom prst="rect">
-            <a:avLst/>
-          </a:prstGeom>
-        </p:spPr>
-      </p:pic>
-      <p:sp>
-        <p:nvSpPr>
-          <p:cNvPr id="11" name="Rounded Rectangle 10">
-            <a:extLst>
-              <a:ext uri="{FF2B5EF4-FFF2-40B4-BE49-F238E27FC236}">
-                <a16:creationId xmlns:a16="http://schemas.microsoft.com/office/drawing/2014/main" id="{412FDC85-76EA-3744-8D98-3D1C7AB7F9F9}"/>
-              </a:ext>
-            </a:extLst>
-          </p:cNvPr>
-          <p:cNvSpPr/>
-          <p:nvPr/>
-        </p:nvSpPr>
-        <p:spPr>
-          <a:xfrm>
-            <a:off x="952131" y="5530444"/>
-            <a:ext cx="2314937" cy="868101"/>
-          </a:xfrm>
-          <a:prstGeom prst="roundRect">
-            <a:avLst/>
-          </a:prstGeom>
-        </p:spPr>
-        <p:style>
-          <a:lnRef idx="1">
-            <a:schemeClr val="accent1"/>
-          </a:lnRef>
-          <a:fillRef idx="3">
-            <a:schemeClr val="accent1"/>
-          </a:fillRef>
-          <a:effectRef idx="2">
-            <a:schemeClr val="accent1"/>
-          </a:effectRef>
-          <a:fontRef idx="minor">
-            <a:schemeClr val="lt1"/>
-          </a:fontRef>
-        </p:style>
-        <p:txBody>
-          <a:bodyPr rtlCol="0" anchor="ctr"/>
-          <a:lstStyle/>
-          <a:p>
-            <a:pPr algn="ctr"/>
-            <a:endParaRPr lang="en-US"/>
-          </a:p>
-        </p:txBody>
-      </p:sp>
-      <p:sp>
-        <p:nvSpPr>
-          <p:cNvPr id="8" name="Rectangle 7">
-            <a:extLst>
-              <a:ext uri="{FF2B5EF4-FFF2-40B4-BE49-F238E27FC236}">
-                <a16:creationId xmlns:a16="http://schemas.microsoft.com/office/drawing/2014/main" id="{5B490112-3A8D-304E-B84E-104559658F58}"/>
-              </a:ext>
-            </a:extLst>
-          </p:cNvPr>
-          <p:cNvSpPr/>
-          <p:nvPr/>
-        </p:nvSpPr>
-        <p:spPr>
-          <a:xfrm>
-            <a:off x="7779657" y="391886"/>
-            <a:ext cx="769257" cy="5776685"/>
-          </a:xfrm>
-          <a:prstGeom prst="rect">
-            <a:avLst/>
-          </a:prstGeom>
-          <a:solidFill>
-            <a:schemeClr val="bg1"/>
-          </a:solidFill>
-          <a:ln>
-            <a:noFill/>
-          </a:ln>
-          <a:effectLst/>
-        </p:spPr>
-        <p:style>
-          <a:lnRef idx="1">
-            <a:schemeClr val="accent1"/>
-          </a:lnRef>
-          <a:fillRef idx="3">
-            <a:schemeClr val="accent1"/>
-          </a:fillRef>
-          <a:effectRef idx="2">
-            <a:schemeClr val="accent1"/>
-          </a:effectRef>
-          <a:fontRef idx="minor">
-            <a:schemeClr val="lt1"/>
-          </a:fontRef>
-        </p:style>
-        <p:txBody>
-          <a:bodyPr rtlCol="0" anchor="ctr"/>
-          <a:lstStyle/>
-          <a:p>
-            <a:pPr algn="ctr"/>
-            <a:endParaRPr lang="en-US"/>
-          </a:p>
-        </p:txBody>
-      </p:sp>
-      <p:pic>
-        <p:nvPicPr>
-          <p:cNvPr id="10" name="Picture 9">
-            <a:extLst>
-              <a:ext uri="{FF2B5EF4-FFF2-40B4-BE49-F238E27FC236}">
-                <a16:creationId xmlns:a16="http://schemas.microsoft.com/office/drawing/2014/main" id="{1FDD0BA9-28CA-854F-BAD0-95F27B5E28F6}"/>
-              </a:ext>
-            </a:extLst>
-          </p:cNvPr>
-          <p:cNvPicPr>
-            <a:picLocks noChangeAspect="1"/>
-          </p:cNvPicPr>
-          <p:nvPr/>
-        </p:nvPicPr>
-        <p:blipFill>
-          <a:blip r:embed="rId3"/>
-          <a:stretch>
-            <a:fillRect/>
-          </a:stretch>
-        </p:blipFill>
-        <p:spPr>
-          <a:xfrm>
-            <a:off x="1205647" y="5783799"/>
-            <a:ext cx="1854200" cy="355600"/>
-          </a:xfrm>
-          <a:prstGeom prst="rect">
-            <a:avLst/>
-          </a:prstGeom>
-        </p:spPr>
-      </p:pic>
-      <p:sp>
-        <p:nvSpPr>
-          <p:cNvPr id="12" name="TextBox 11">
-            <a:extLst>
-              <a:ext uri="{FF2B5EF4-FFF2-40B4-BE49-F238E27FC236}">
-                <a16:creationId xmlns:a16="http://schemas.microsoft.com/office/drawing/2014/main" id="{A26ABB56-FE2D-144F-B343-0ACEA71CF24D}"/>
-              </a:ext>
-            </a:extLst>
-          </p:cNvPr>
-          <p:cNvSpPr txBox="1"/>
-          <p:nvPr/>
-        </p:nvSpPr>
-        <p:spPr>
-          <a:xfrm>
-            <a:off x="4074289" y="5771265"/>
-            <a:ext cx="3705368" cy="523220"/>
-          </a:xfrm>
-          <a:prstGeom prst="rect">
-            <a:avLst/>
-          </a:prstGeom>
-          <a:noFill/>
-        </p:spPr>
-        <p:txBody>
-          <a:bodyPr wrap="square" rtlCol="0">
-            <a:spAutoFit/>
-          </a:bodyPr>
-          <a:lstStyle/>
-          <a:p>
-            <a:r>
-              <a:rPr lang="en-US" sz="2800" dirty="0">
-                <a:solidFill>
-                  <a:srgbClr val="FF0000"/>
-                </a:solidFill>
-              </a:rPr>
-              <a:t>Only node is stable</a:t>
-            </a:r>
-          </a:p>
-        </p:txBody>
-      </p:sp>
-      <p:sp>
-        <p:nvSpPr>
-          <p:cNvPr id="2" name="5-point Star 1">
-            <a:extLst>
-              <a:ext uri="{FF2B5EF4-FFF2-40B4-BE49-F238E27FC236}">
-                <a16:creationId xmlns:a16="http://schemas.microsoft.com/office/drawing/2014/main" id="{D005AA55-090F-7B2E-BBB3-C81E57A1D24C}"/>
-              </a:ext>
-            </a:extLst>
-          </p:cNvPr>
-          <p:cNvSpPr/>
-          <p:nvPr/>
-        </p:nvSpPr>
-        <p:spPr>
-          <a:xfrm>
-            <a:off x="2873831" y="83132"/>
-            <a:ext cx="356260" cy="369332"/>
-          </a:xfrm>
-          <a:prstGeom prst="star5">
-            <a:avLst/>
-          </a:prstGeom>
-        </p:spPr>
-        <p:style>
-          <a:lnRef idx="1">
-            <a:schemeClr val="accent1"/>
-          </a:lnRef>
-          <a:fillRef idx="3">
-            <a:schemeClr val="accent1"/>
-          </a:fillRef>
-          <a:effectRef idx="2">
-            <a:schemeClr val="accent1"/>
-          </a:effectRef>
-          <a:fontRef idx="minor">
-            <a:schemeClr val="lt1"/>
-          </a:fontRef>
-        </p:style>
-        <p:txBody>
-          <a:bodyPr rtlCol="0" anchor="ctr"/>
-          <a:lstStyle/>
-          <a:p>
-            <a:pPr algn="ctr"/>
-            <a:endParaRPr lang="en-US"/>
-          </a:p>
-        </p:txBody>
-      </p:sp>
-      <p:sp>
-        <p:nvSpPr>
-          <p:cNvPr id="3" name="TextBox 2">
-            <a:extLst>
-              <a:ext uri="{FF2B5EF4-FFF2-40B4-BE49-F238E27FC236}">
-                <a16:creationId xmlns:a16="http://schemas.microsoft.com/office/drawing/2014/main" id="{C45B121B-FADF-7D8E-2803-20897EFDD707}"/>
-              </a:ext>
-            </a:extLst>
-          </p:cNvPr>
-          <p:cNvSpPr txBox="1"/>
-          <p:nvPr/>
-        </p:nvSpPr>
-        <p:spPr>
-          <a:xfrm>
-            <a:off x="1425041" y="130630"/>
-            <a:ext cx="1935678" cy="369332"/>
-          </a:xfrm>
-          <a:prstGeom prst="rect">
-            <a:avLst/>
-          </a:prstGeom>
-          <a:noFill/>
-        </p:spPr>
-        <p:txBody>
-          <a:bodyPr wrap="square" rtlCol="0">
-            <a:spAutoFit/>
-          </a:bodyPr>
-          <a:lstStyle/>
-          <a:p>
-            <a:r>
-              <a:rPr lang="en-US" dirty="0">
-                <a:solidFill>
-                  <a:srgbClr val="FF0000"/>
-                </a:solidFill>
-              </a:rPr>
-              <a:t>Stable node</a:t>
-            </a:r>
-          </a:p>
-        </p:txBody>
-      </p:sp>
-    </p:spTree>
-    <p:extLst>
-      <p:ext uri="{BB962C8B-B14F-4D97-AF65-F5344CB8AC3E}">
-        <p14:creationId xmlns:p14="http://schemas.microsoft.com/office/powerpoint/2010/main" val="2755980389"/>
-      </p:ext>
-    </p:extLst>
-  </p:cSld>
-  <p:clrMapOvr>
-    <a:masterClrMapping/>
-  </p:clrMapOvr>
-</p:sld>
-</file>
-
-<file path=ppt/slides/slide8.xml><?xml version="1.0" encoding="utf-8"?>
-<p:sld xmlns:a="http://schemas.openxmlformats.org/drawingml/2006/main" xmlns:r="http://schemas.openxmlformats.org/officeDocument/2006/relationships" xmlns:p="http://schemas.openxmlformats.org/presentationml/2006/main">
-  <p:cSld>
-    <p:spTree>
-      <p:nvGrpSpPr>
-        <p:cNvPr id="1" name=""/>
-        <p:cNvGrpSpPr/>
-        <p:nvPr/>
-      </p:nvGrpSpPr>
-      <p:grpSpPr>
-        <a:xfrm>
-          <a:off x="0" y="0"/>
-          <a:ext cx="0" cy="0"/>
-          <a:chOff x="0" y="0"/>
-          <a:chExt cx="0" cy="0"/>
-        </a:xfrm>
-      </p:grpSpPr>
-      <mc:AlternateContent xmlns:mc="http://schemas.openxmlformats.org/markup-compatibility/2006" xmlns:a14="http://schemas.microsoft.com/office/drawing/2010/main">
-        <mc:Choice Requires="a14">
+      <mc:AlternateContent xmlns:mc="http://schemas.openxmlformats.org/markup-compatibility/2006">
+        <mc:Choice xmlns:a14="http://schemas.microsoft.com/office/drawing/2010/main" Requires="a14">
           <p:sp>
             <p:nvSpPr>
               <p:cNvPr id="4" name="TextBox 3">
@@ -11621,8 +10720,8 @@
             </p:nvSpPr>
             <p:spPr>
               <a:xfrm>
-                <a:off x="937549" y="274577"/>
-                <a:ext cx="7268902" cy="1077218"/>
+                <a:off x="272532" y="167702"/>
+                <a:ext cx="8586460" cy="954107"/>
               </a:xfrm>
               <a:prstGeom prst="rect">
                 <a:avLst/>
@@ -11636,19 +10735,19 @@
               <a:lstStyle/>
               <a:p>
                 <a:r>
-                  <a:rPr lang="en-US" sz="3200" dirty="0">
+                  <a:rPr lang="en-US" sz="2800" dirty="0">
                     <a:solidFill>
                       <a:srgbClr val="0070C0"/>
                     </a:solidFill>
                   </a:rPr>
-                  <a:t>We see tipping between  states as parameters such as  </a:t>
+                  <a:t>We see transitions between  states as parameters such as  </a:t>
                 </a:r>
                 <a14:m>
                   <m:oMath xmlns:m="http://schemas.openxmlformats.org/officeDocument/2006/math">
                     <m:sSub>
                       <m:sSubPr>
                         <m:ctrlPr>
-                          <a:rPr lang="en-US" sz="3200" i="1" smtClean="0">
+                          <a:rPr lang="en-US" sz="2800" i="1" smtClean="0">
                             <a:solidFill>
                               <a:srgbClr val="FF2CF7"/>
                             </a:solidFill>
@@ -11658,7 +10757,7 @@
                       </m:sSubPr>
                       <m:e>
                         <m:r>
-                          <a:rPr lang="en-US" sz="3200" i="1" smtClean="0">
+                          <a:rPr lang="en-US" sz="2800" i="1" smtClean="0">
                             <a:solidFill>
                               <a:srgbClr val="FF2CF7"/>
                             </a:solidFill>
@@ -11670,7 +10769,7 @@
                       </m:e>
                       <m:sub>
                         <m:r>
-                          <a:rPr lang="en-GB" sz="3200" b="0" i="1" smtClean="0">
+                          <a:rPr lang="en-GB" sz="2800" b="0" i="1" smtClean="0">
                             <a:solidFill>
                               <a:srgbClr val="FF2CF7"/>
                             </a:solidFill>
@@ -11683,7 +10782,7 @@
                   </m:oMath>
                 </a14:m>
                 <a:r>
-                  <a:rPr lang="en-US" sz="3200" dirty="0">
+                  <a:rPr lang="en-US" sz="2800" dirty="0">
                     <a:solidFill>
                       <a:srgbClr val="0070C0"/>
                     </a:solidFill>
@@ -11694,7 +10793,7 @@
             </p:txBody>
           </p:sp>
         </mc:Choice>
-        <mc:Fallback xmlns="">
+        <mc:Fallback>
           <p:sp>
             <p:nvSpPr>
               <p:cNvPr id="4" name="TextBox 3">
@@ -11711,8 +10810,8 @@
             </p:nvSpPr>
             <p:spPr>
               <a:xfrm>
-                <a:off x="937549" y="274577"/>
-                <a:ext cx="7268902" cy="1077218"/>
+                <a:off x="272532" y="167702"/>
+                <a:ext cx="8586460" cy="954107"/>
               </a:xfrm>
               <a:prstGeom prst="rect">
                 <a:avLst/>
@@ -11720,7 +10819,7 @@
               <a:blipFill>
                 <a:blip r:embed="rId2"/>
                 <a:stretch>
-                  <a:fillRect l="-2091" t="-6977" b="-16279"/>
+                  <a:fillRect l="-1477" t="-6579" r="-1920" b="-17105"/>
                 </a:stretch>
               </a:blipFill>
             </p:spPr>
@@ -11753,8 +10852,8 @@
         </p:nvSpPr>
         <p:spPr>
           <a:xfrm>
-            <a:off x="937549" y="1909980"/>
-            <a:ext cx="6354502" cy="1354217"/>
+            <a:off x="141903" y="2229876"/>
+            <a:ext cx="5962013" cy="2646878"/>
           </a:xfrm>
           <a:prstGeom prst="rect">
             <a:avLst/>
@@ -11766,6 +10865,26 @@
             <a:spAutoFit/>
           </a:bodyPr>
           <a:lstStyle/>
+          <a:p>
+            <a:r>
+              <a:rPr lang="en-US" sz="2800" dirty="0"/>
+              <a:t>                              </a:t>
+            </a:r>
+            <a:r>
+              <a:rPr lang="en-US" sz="2800" dirty="0">
+                <a:solidFill>
+                  <a:srgbClr val="0070C0"/>
+                </a:solidFill>
+              </a:rPr>
+              <a:t>Node only</a:t>
+            </a:r>
+          </a:p>
+          <a:p>
+            <a:endParaRPr lang="en-US" sz="2800" dirty="0"/>
+          </a:p>
+          <a:p>
+            <a:endParaRPr lang="en-US" sz="2800" dirty="0"/>
+          </a:p>
           <a:p>
             <a:r>
               <a:rPr lang="en-US" sz="2800" dirty="0"/>
@@ -11797,8 +10916,8 @@
         </p:nvSpPr>
         <p:spPr>
           <a:xfrm>
-            <a:off x="2720051" y="2908300"/>
-            <a:ext cx="2951544" cy="1038828"/>
+            <a:off x="5498876" y="3408217"/>
+            <a:ext cx="2279462" cy="657906"/>
           </a:xfrm>
           <a:prstGeom prst="roundRect">
             <a:avLst/>
@@ -11849,7 +10968,7 @@
         </p:blipFill>
         <p:spPr>
           <a:xfrm>
-            <a:off x="3309234" y="3270409"/>
+            <a:off x="5672422" y="3591042"/>
             <a:ext cx="1854200" cy="317500"/>
           </a:xfrm>
           <a:prstGeom prst="rect">
@@ -11857,8 +10976,8 @@
           </a:prstGeom>
         </p:spPr>
       </p:pic>
-      <mc:AlternateContent xmlns:mc="http://schemas.openxmlformats.org/markup-compatibility/2006" xmlns:a14="http://schemas.microsoft.com/office/drawing/2010/main">
-        <mc:Choice Requires="a14">
+      <mc:AlternateContent xmlns:mc="http://schemas.openxmlformats.org/markup-compatibility/2006">
+        <mc:Choice xmlns:a14="http://schemas.microsoft.com/office/drawing/2010/main" Requires="a14">
           <p:sp>
             <p:nvSpPr>
               <p:cNvPr id="8" name="TextBox 7">
@@ -11873,8 +10992,8 @@
             </p:nvSpPr>
             <p:spPr>
               <a:xfrm>
-                <a:off x="11250" y="4314142"/>
-                <a:ext cx="9842499" cy="2246769"/>
+                <a:off x="11250" y="4682276"/>
+                <a:ext cx="9842499" cy="1815882"/>
               </a:xfrm>
               <a:prstGeom prst="rect">
                 <a:avLst/>
@@ -12094,28 +11213,10 @@
                   </a:solidFill>
                 </a:endParaRPr>
               </a:p>
-              <a:p>
-                <a:r>
-                  <a:rPr lang="en-US" sz="2800" dirty="0">
-                    <a:solidFill>
-                      <a:srgbClr val="FF0000"/>
-                    </a:solidFill>
-                  </a:rPr>
-                  <a:t>More rapid tipping than the </a:t>
-                </a:r>
-                <a:r>
-                  <a:rPr lang="en-US" sz="2800" dirty="0">
-                    <a:solidFill>
-                      <a:srgbClr val="FF2CF7"/>
-                    </a:solidFill>
-                  </a:rPr>
-                  <a:t>Smooth Saddle-Node Bifurcation!</a:t>
-                </a:r>
-              </a:p>
             </p:txBody>
           </p:sp>
         </mc:Choice>
-        <mc:Fallback xmlns="">
+        <mc:Fallback>
           <p:sp>
             <p:nvSpPr>
               <p:cNvPr id="8" name="TextBox 7">
@@ -12132,8 +11233,8 @@
             </p:nvSpPr>
             <p:spPr>
               <a:xfrm>
-                <a:off x="11250" y="4314142"/>
-                <a:ext cx="9842499" cy="2246769"/>
+                <a:off x="11250" y="4682276"/>
+                <a:ext cx="9842499" cy="1815882"/>
               </a:xfrm>
               <a:prstGeom prst="rect">
                 <a:avLst/>
@@ -12141,7 +11242,7 @@
               <a:blipFill>
                 <a:blip r:embed="rId4"/>
                 <a:stretch>
-                  <a:fillRect l="-1289" t="-2809" b="-6742"/>
+                  <a:fillRect l="-1289" t="-3472"/>
                 </a:stretch>
               </a:blipFill>
             </p:spPr>
@@ -12160,10 +11261,1627 @@
           </p:sp>
         </mc:Fallback>
       </mc:AlternateContent>
+      <p:pic>
+        <p:nvPicPr>
+          <p:cNvPr id="2" name="Picture 1">
+            <a:extLst>
+              <a:ext uri="{FF2B5EF4-FFF2-40B4-BE49-F238E27FC236}">
+                <a16:creationId xmlns:a16="http://schemas.microsoft.com/office/drawing/2014/main" id="{D8C2AD2E-19BD-E92C-1D6A-A028C24AB965}"/>
+              </a:ext>
+            </a:extLst>
+          </p:cNvPr>
+          <p:cNvPicPr>
+            <a:picLocks noChangeAspect="1"/>
+          </p:cNvPicPr>
+          <p:nvPr/>
+        </p:nvPicPr>
+        <p:blipFill>
+          <a:blip r:embed="rId5"/>
+          <a:stretch>
+            <a:fillRect/>
+          </a:stretch>
+        </p:blipFill>
+        <p:spPr>
+          <a:xfrm>
+            <a:off x="486066" y="1553027"/>
+            <a:ext cx="1854200" cy="355600"/>
+          </a:xfrm>
+          <a:prstGeom prst="rect">
+            <a:avLst/>
+          </a:prstGeom>
+        </p:spPr>
+      </p:pic>
+      <p:sp>
+        <p:nvSpPr>
+          <p:cNvPr id="3" name="TextBox 2">
+            <a:extLst>
+              <a:ext uri="{FF2B5EF4-FFF2-40B4-BE49-F238E27FC236}">
+                <a16:creationId xmlns:a16="http://schemas.microsoft.com/office/drawing/2014/main" id="{4385EC0A-72E9-7CE2-B546-AD4C2D80F3D1}"/>
+              </a:ext>
+            </a:extLst>
+          </p:cNvPr>
+          <p:cNvSpPr txBox="1"/>
+          <p:nvPr/>
+        </p:nvSpPr>
+        <p:spPr>
+          <a:xfrm>
+            <a:off x="2660073" y="1529277"/>
+            <a:ext cx="5665130" cy="523220"/>
+          </a:xfrm>
+          <a:prstGeom prst="rect">
+            <a:avLst/>
+          </a:prstGeom>
+          <a:noFill/>
+        </p:spPr>
+        <p:txBody>
+          <a:bodyPr wrap="square" rtlCol="0">
+            <a:spAutoFit/>
+          </a:bodyPr>
+          <a:lstStyle/>
+          <a:p>
+            <a:r>
+              <a:rPr lang="en-US" sz="2800" dirty="0">
+                <a:solidFill>
+                  <a:srgbClr val="0070C0"/>
+                </a:solidFill>
+              </a:rPr>
+              <a:t>Saddle, Node, Focus</a:t>
+            </a:r>
+            <a:r>
+              <a:rPr lang="en-US" sz="2800" dirty="0"/>
+              <a:t>.   Saddle-Node at </a:t>
+            </a:r>
+          </a:p>
+        </p:txBody>
+      </p:sp>
+      <p:pic>
+        <p:nvPicPr>
+          <p:cNvPr id="9" name="Picture 8">
+            <a:extLst>
+              <a:ext uri="{FF2B5EF4-FFF2-40B4-BE49-F238E27FC236}">
+                <a16:creationId xmlns:a16="http://schemas.microsoft.com/office/drawing/2014/main" id="{B7B42247-7B5B-6925-CEF6-CB5F20E1FE68}"/>
+              </a:ext>
+            </a:extLst>
+          </p:cNvPr>
+          <p:cNvPicPr>
+            <a:picLocks noChangeAspect="1"/>
+          </p:cNvPicPr>
+          <p:nvPr/>
+        </p:nvPicPr>
+        <p:blipFill>
+          <a:blip r:embed="rId6"/>
+          <a:stretch>
+            <a:fillRect/>
+          </a:stretch>
+        </p:blipFill>
+        <p:spPr>
+          <a:xfrm>
+            <a:off x="426689" y="2253675"/>
+            <a:ext cx="1854200" cy="355600"/>
+          </a:xfrm>
+          <a:prstGeom prst="rect">
+            <a:avLst/>
+          </a:prstGeom>
+        </p:spPr>
+      </p:pic>
+      <p:pic>
+        <p:nvPicPr>
+          <p:cNvPr id="11" name="Picture 10">
+            <a:extLst>
+              <a:ext uri="{FF2B5EF4-FFF2-40B4-BE49-F238E27FC236}">
+                <a16:creationId xmlns:a16="http://schemas.microsoft.com/office/drawing/2014/main" id="{7C95C8B5-A381-008C-DF1C-9AA1E3B3F66E}"/>
+              </a:ext>
+            </a:extLst>
+          </p:cNvPr>
+          <p:cNvPicPr>
+            <a:picLocks noChangeAspect="1"/>
+          </p:cNvPicPr>
+          <p:nvPr/>
+        </p:nvPicPr>
+        <p:blipFill>
+          <a:blip r:embed="rId7"/>
+          <a:stretch>
+            <a:fillRect/>
+          </a:stretch>
+        </p:blipFill>
+        <p:spPr>
+          <a:xfrm>
+            <a:off x="8353375" y="1502227"/>
+            <a:ext cx="393700" cy="457200"/>
+          </a:xfrm>
+          <a:prstGeom prst="rect">
+            <a:avLst/>
+          </a:prstGeom>
+        </p:spPr>
+      </p:pic>
     </p:spTree>
     <p:extLst>
       <p:ext uri="{BB962C8B-B14F-4D97-AF65-F5344CB8AC3E}">
         <p14:creationId xmlns:p14="http://schemas.microsoft.com/office/powerpoint/2010/main" val="831512641"/>
+      </p:ext>
+    </p:extLst>
+  </p:cSld>
+  <p:clrMapOvr>
+    <a:masterClrMapping/>
+  </p:clrMapOvr>
+</p:sld>
+</file>
+
+<file path=ppt/slides/slide6.xml><?xml version="1.0" encoding="utf-8"?>
+<p:sld xmlns:a="http://schemas.openxmlformats.org/drawingml/2006/main" xmlns:r="http://schemas.openxmlformats.org/officeDocument/2006/relationships" xmlns:p="http://schemas.openxmlformats.org/presentationml/2006/main">
+  <p:cSld>
+    <p:spTree>
+      <p:nvGrpSpPr>
+        <p:cNvPr id="1" name=""/>
+        <p:cNvGrpSpPr/>
+        <p:nvPr/>
+      </p:nvGrpSpPr>
+      <p:grpSpPr>
+        <a:xfrm>
+          <a:off x="0" y="0"/>
+          <a:ext cx="0" cy="0"/>
+          <a:chOff x="0" y="0"/>
+          <a:chExt cx="0" cy="0"/>
+        </a:xfrm>
+      </p:grpSpPr>
+      <p:pic>
+        <p:nvPicPr>
+          <p:cNvPr id="7" name="Picture 6" descr="A graph of a spiraling wave&#10;&#10;Description automatically generated with medium confidence">
+            <a:extLst>
+              <a:ext uri="{FF2B5EF4-FFF2-40B4-BE49-F238E27FC236}">
+                <a16:creationId xmlns:a16="http://schemas.microsoft.com/office/drawing/2014/main" id="{53D7DBDE-8B1C-C08E-8794-3983481DB4F3}"/>
+              </a:ext>
+            </a:extLst>
+          </p:cNvPr>
+          <p:cNvPicPr>
+            <a:picLocks noChangeAspect="1"/>
+          </p:cNvPicPr>
+          <p:nvPr/>
+        </p:nvPicPr>
+        <p:blipFill>
+          <a:blip r:embed="rId3"/>
+          <a:stretch>
+            <a:fillRect/>
+          </a:stretch>
+        </p:blipFill>
+        <p:spPr>
+          <a:xfrm>
+            <a:off x="869950" y="654050"/>
+            <a:ext cx="7404100" cy="5549900"/>
+          </a:xfrm>
+          <a:prstGeom prst="rect">
+            <a:avLst/>
+          </a:prstGeom>
+        </p:spPr>
+      </p:pic>
+      <p:sp>
+        <p:nvSpPr>
+          <p:cNvPr id="9" name="Rounded Rectangle 8">
+            <a:extLst>
+              <a:ext uri="{FF2B5EF4-FFF2-40B4-BE49-F238E27FC236}">
+                <a16:creationId xmlns:a16="http://schemas.microsoft.com/office/drawing/2014/main" id="{0B945F23-0B4A-BB44-9868-29DA947C5969}"/>
+              </a:ext>
+            </a:extLst>
+          </p:cNvPr>
+          <p:cNvSpPr/>
+          <p:nvPr/>
+        </p:nvSpPr>
+        <p:spPr>
+          <a:xfrm>
+            <a:off x="2257063" y="6155845"/>
+            <a:ext cx="5533150" cy="594114"/>
+          </a:xfrm>
+          <a:prstGeom prst="roundRect">
+            <a:avLst/>
+          </a:prstGeom>
+        </p:spPr>
+        <p:style>
+          <a:lnRef idx="1">
+            <a:schemeClr val="accent1"/>
+          </a:lnRef>
+          <a:fillRef idx="3">
+            <a:schemeClr val="accent1"/>
+          </a:fillRef>
+          <a:effectRef idx="2">
+            <a:schemeClr val="accent1"/>
+          </a:effectRef>
+          <a:fontRef idx="minor">
+            <a:schemeClr val="lt1"/>
+          </a:fontRef>
+        </p:style>
+        <p:txBody>
+          <a:bodyPr rtlCol="0" anchor="ctr"/>
+          <a:lstStyle/>
+          <a:p>
+            <a:pPr algn="ctr"/>
+            <a:endParaRPr lang="en-US"/>
+          </a:p>
+        </p:txBody>
+      </p:sp>
+      <p:sp>
+        <p:nvSpPr>
+          <p:cNvPr id="2" name="TextBox 1">
+            <a:extLst>
+              <a:ext uri="{FF2B5EF4-FFF2-40B4-BE49-F238E27FC236}">
+                <a16:creationId xmlns:a16="http://schemas.microsoft.com/office/drawing/2014/main" id="{1199DD3D-E4D9-374D-878E-D7732F26F244}"/>
+              </a:ext>
+            </a:extLst>
+          </p:cNvPr>
+          <p:cNvSpPr txBox="1"/>
+          <p:nvPr/>
+        </p:nvSpPr>
+        <p:spPr>
+          <a:xfrm>
+            <a:off x="285008" y="62836"/>
+            <a:ext cx="8858992" cy="954107"/>
+          </a:xfrm>
+          <a:prstGeom prst="rect">
+            <a:avLst/>
+          </a:prstGeom>
+          <a:noFill/>
+        </p:spPr>
+        <p:txBody>
+          <a:bodyPr wrap="square" rtlCol="0">
+            <a:spAutoFit/>
+          </a:bodyPr>
+          <a:lstStyle/>
+          <a:p>
+            <a:r>
+              <a:rPr lang="en-US" sz="2800" dirty="0">
+                <a:solidFill>
+                  <a:srgbClr val="0070C0"/>
+                </a:solidFill>
+              </a:rPr>
+              <a:t> (T,V) phase plane close to the non-smooth fold</a:t>
+            </a:r>
+          </a:p>
+          <a:p>
+            <a:r>
+              <a:rPr lang="en-US" sz="2800" dirty="0">
+                <a:solidFill>
+                  <a:srgbClr val="0070C0"/>
+                </a:solidFill>
+              </a:rPr>
+              <a:t>                              </a:t>
+            </a:r>
+            <a:r>
+              <a:rPr lang="en-US" sz="2800" dirty="0">
+                <a:solidFill>
+                  <a:srgbClr val="FF2CF7"/>
+                </a:solidFill>
+              </a:rPr>
+              <a:t>Saddle-Focus</a:t>
+            </a:r>
+          </a:p>
+        </p:txBody>
+      </p:sp>
+      <p:sp>
+        <p:nvSpPr>
+          <p:cNvPr id="4" name="TextBox 3">
+            <a:extLst>
+              <a:ext uri="{FF2B5EF4-FFF2-40B4-BE49-F238E27FC236}">
+                <a16:creationId xmlns:a16="http://schemas.microsoft.com/office/drawing/2014/main" id="{32C5482D-F489-9147-8061-CEBF9CA7C2B5}"/>
+              </a:ext>
+            </a:extLst>
+          </p:cNvPr>
+          <p:cNvSpPr txBox="1"/>
+          <p:nvPr/>
+        </p:nvSpPr>
+        <p:spPr>
+          <a:xfrm>
+            <a:off x="4714804" y="2148532"/>
+            <a:ext cx="1736203" cy="369332"/>
+          </a:xfrm>
+          <a:prstGeom prst="rect">
+            <a:avLst/>
+          </a:prstGeom>
+          <a:noFill/>
+        </p:spPr>
+        <p:txBody>
+          <a:bodyPr wrap="square" rtlCol="0">
+            <a:spAutoFit/>
+          </a:bodyPr>
+          <a:lstStyle/>
+          <a:p>
+            <a:r>
+              <a:rPr lang="en-US" dirty="0">
+                <a:solidFill>
+                  <a:srgbClr val="FF0000"/>
+                </a:solidFill>
+              </a:rPr>
+              <a:t>saddle</a:t>
+            </a:r>
+          </a:p>
+        </p:txBody>
+      </p:sp>
+      <p:sp>
+        <p:nvSpPr>
+          <p:cNvPr id="8" name="TextBox 7">
+            <a:extLst>
+              <a:ext uri="{FF2B5EF4-FFF2-40B4-BE49-F238E27FC236}">
+                <a16:creationId xmlns:a16="http://schemas.microsoft.com/office/drawing/2014/main" id="{AF5E4813-2B18-624B-BAE1-E063A9F29CD4}"/>
+              </a:ext>
+            </a:extLst>
+          </p:cNvPr>
+          <p:cNvSpPr txBox="1"/>
+          <p:nvPr/>
+        </p:nvSpPr>
+        <p:spPr>
+          <a:xfrm>
+            <a:off x="5284819" y="3931934"/>
+            <a:ext cx="850739" cy="369332"/>
+          </a:xfrm>
+          <a:prstGeom prst="rect">
+            <a:avLst/>
+          </a:prstGeom>
+          <a:noFill/>
+        </p:spPr>
+        <p:txBody>
+          <a:bodyPr wrap="square" rtlCol="0">
+            <a:spAutoFit/>
+          </a:bodyPr>
+          <a:lstStyle/>
+          <a:p>
+            <a:r>
+              <a:rPr lang="en-US" dirty="0">
+                <a:solidFill>
+                  <a:srgbClr val="FF2CF7"/>
+                </a:solidFill>
+              </a:rPr>
+              <a:t>focus</a:t>
+            </a:r>
+          </a:p>
+        </p:txBody>
+      </p:sp>
+      <p:pic>
+        <p:nvPicPr>
+          <p:cNvPr id="11" name="Picture 10">
+            <a:extLst>
+              <a:ext uri="{FF2B5EF4-FFF2-40B4-BE49-F238E27FC236}">
+                <a16:creationId xmlns:a16="http://schemas.microsoft.com/office/drawing/2014/main" id="{C3362A55-C476-714D-83CA-948856B298E9}"/>
+              </a:ext>
+            </a:extLst>
+          </p:cNvPr>
+          <p:cNvPicPr>
+            <a:picLocks noChangeAspect="1"/>
+          </p:cNvPicPr>
+          <p:nvPr/>
+        </p:nvPicPr>
+        <p:blipFill>
+          <a:blip r:embed="rId4"/>
+          <a:stretch>
+            <a:fillRect/>
+          </a:stretch>
+        </p:blipFill>
+        <p:spPr>
+          <a:xfrm>
+            <a:off x="3487585" y="2753716"/>
+            <a:ext cx="222756" cy="278446"/>
+          </a:xfrm>
+          <a:prstGeom prst="rect">
+            <a:avLst/>
+          </a:prstGeom>
+        </p:spPr>
+      </p:pic>
+      <p:cxnSp>
+        <p:nvCxnSpPr>
+          <p:cNvPr id="13" name="Straight Arrow Connector 12">
+            <a:extLst>
+              <a:ext uri="{FF2B5EF4-FFF2-40B4-BE49-F238E27FC236}">
+                <a16:creationId xmlns:a16="http://schemas.microsoft.com/office/drawing/2014/main" id="{F1AA15AD-27C3-7240-AB0D-5EDCAE69DC7F}"/>
+              </a:ext>
+            </a:extLst>
+          </p:cNvPr>
+          <p:cNvCxnSpPr>
+            <a:cxnSpLocks/>
+          </p:cNvCxnSpPr>
+          <p:nvPr/>
+        </p:nvCxnSpPr>
+        <p:spPr>
+          <a:xfrm>
+            <a:off x="4166396" y="2766349"/>
+            <a:ext cx="0" cy="570617"/>
+          </a:xfrm>
+          <a:prstGeom prst="straightConnector1">
+            <a:avLst/>
+          </a:prstGeom>
+          <a:ln>
+            <a:headEnd type="triangle"/>
+            <a:tailEnd type="triangle"/>
+          </a:ln>
+        </p:spPr>
+        <p:style>
+          <a:lnRef idx="2">
+            <a:schemeClr val="accent1"/>
+          </a:lnRef>
+          <a:fillRef idx="0">
+            <a:schemeClr val="accent1"/>
+          </a:fillRef>
+          <a:effectRef idx="1">
+            <a:schemeClr val="accent1"/>
+          </a:effectRef>
+          <a:fontRef idx="minor">
+            <a:schemeClr val="tx1"/>
+          </a:fontRef>
+        </p:style>
+      </p:cxnSp>
+      <p:pic>
+        <p:nvPicPr>
+          <p:cNvPr id="12" name="Picture 11">
+            <a:extLst>
+              <a:ext uri="{FF2B5EF4-FFF2-40B4-BE49-F238E27FC236}">
+                <a16:creationId xmlns:a16="http://schemas.microsoft.com/office/drawing/2014/main" id="{84998117-42F7-DB49-BF85-03D149976DD1}"/>
+              </a:ext>
+            </a:extLst>
+          </p:cNvPr>
+          <p:cNvPicPr>
+            <a:picLocks noChangeAspect="1"/>
+          </p:cNvPicPr>
+          <p:nvPr/>
+        </p:nvPicPr>
+        <p:blipFill>
+          <a:blip r:embed="rId5"/>
+          <a:stretch>
+            <a:fillRect/>
+          </a:stretch>
+        </p:blipFill>
+        <p:spPr>
+          <a:xfrm>
+            <a:off x="2538794" y="6238970"/>
+            <a:ext cx="4483100" cy="419100"/>
+          </a:xfrm>
+          <a:prstGeom prst="rect">
+            <a:avLst/>
+          </a:prstGeom>
+        </p:spPr>
+      </p:pic>
+      <p:sp>
+        <p:nvSpPr>
+          <p:cNvPr id="3" name="5-point Star 2">
+            <a:extLst>
+              <a:ext uri="{FF2B5EF4-FFF2-40B4-BE49-F238E27FC236}">
+                <a16:creationId xmlns:a16="http://schemas.microsoft.com/office/drawing/2014/main" id="{C88AB114-5F3D-2408-D551-D63A9E62D3B6}"/>
+              </a:ext>
+            </a:extLst>
+          </p:cNvPr>
+          <p:cNvSpPr/>
+          <p:nvPr/>
+        </p:nvSpPr>
+        <p:spPr>
+          <a:xfrm>
+            <a:off x="1377537" y="625964"/>
+            <a:ext cx="356260" cy="369332"/>
+          </a:xfrm>
+          <a:prstGeom prst="star5">
+            <a:avLst/>
+          </a:prstGeom>
+        </p:spPr>
+        <p:style>
+          <a:lnRef idx="1">
+            <a:schemeClr val="accent1"/>
+          </a:lnRef>
+          <a:fillRef idx="3">
+            <a:schemeClr val="accent1"/>
+          </a:fillRef>
+          <a:effectRef idx="2">
+            <a:schemeClr val="accent1"/>
+          </a:effectRef>
+          <a:fontRef idx="minor">
+            <a:schemeClr val="lt1"/>
+          </a:fontRef>
+        </p:style>
+        <p:txBody>
+          <a:bodyPr rtlCol="0" anchor="ctr"/>
+          <a:lstStyle/>
+          <a:p>
+            <a:pPr algn="ctr"/>
+            <a:endParaRPr lang="en-US"/>
+          </a:p>
+        </p:txBody>
+      </p:sp>
+      <p:sp>
+        <p:nvSpPr>
+          <p:cNvPr id="5" name="TextBox 4">
+            <a:extLst>
+              <a:ext uri="{FF2B5EF4-FFF2-40B4-BE49-F238E27FC236}">
+                <a16:creationId xmlns:a16="http://schemas.microsoft.com/office/drawing/2014/main" id="{C61EEDC0-EAC8-5216-839B-7C6812535FA3}"/>
+              </a:ext>
+            </a:extLst>
+          </p:cNvPr>
+          <p:cNvSpPr txBox="1"/>
+          <p:nvPr/>
+        </p:nvSpPr>
+        <p:spPr>
+          <a:xfrm>
+            <a:off x="71268" y="641275"/>
+            <a:ext cx="1935678" cy="369332"/>
+          </a:xfrm>
+          <a:prstGeom prst="rect">
+            <a:avLst/>
+          </a:prstGeom>
+          <a:noFill/>
+        </p:spPr>
+        <p:txBody>
+          <a:bodyPr wrap="square" rtlCol="0">
+            <a:spAutoFit/>
+          </a:bodyPr>
+          <a:lstStyle/>
+          <a:p>
+            <a:r>
+              <a:rPr lang="en-US" dirty="0">
+                <a:solidFill>
+                  <a:srgbClr val="FF0000"/>
+                </a:solidFill>
+              </a:rPr>
+              <a:t>Stable node</a:t>
+            </a:r>
+          </a:p>
+        </p:txBody>
+      </p:sp>
+    </p:spTree>
+    <p:extLst>
+      <p:ext uri="{BB962C8B-B14F-4D97-AF65-F5344CB8AC3E}">
+        <p14:creationId xmlns:p14="http://schemas.microsoft.com/office/powerpoint/2010/main" val="1047813427"/>
+      </p:ext>
+    </p:extLst>
+  </p:cSld>
+  <p:clrMapOvr>
+    <a:masterClrMapping/>
+  </p:clrMapOvr>
+</p:sld>
+</file>
+
+<file path=ppt/slides/slide7.xml><?xml version="1.0" encoding="utf-8"?>
+<p:sld xmlns:a="http://schemas.openxmlformats.org/drawingml/2006/main" xmlns:r="http://schemas.openxmlformats.org/officeDocument/2006/relationships" xmlns:p="http://schemas.openxmlformats.org/presentationml/2006/main">
+  <p:cSld>
+    <p:spTree>
+      <p:nvGrpSpPr>
+        <p:cNvPr id="1" name=""/>
+        <p:cNvGrpSpPr/>
+        <p:nvPr/>
+      </p:nvGrpSpPr>
+      <p:grpSpPr>
+        <a:xfrm>
+          <a:off x="0" y="0"/>
+          <a:ext cx="0" cy="0"/>
+          <a:chOff x="0" y="0"/>
+          <a:chExt cx="0" cy="0"/>
+        </a:xfrm>
+      </p:grpSpPr>
+      <p:pic>
+        <p:nvPicPr>
+          <p:cNvPr id="17" name="Picture 16" descr="A graph of a graph of a wave&#10;&#10;Description automatically generated with medium confidence">
+            <a:extLst>
+              <a:ext uri="{FF2B5EF4-FFF2-40B4-BE49-F238E27FC236}">
+                <a16:creationId xmlns:a16="http://schemas.microsoft.com/office/drawing/2014/main" id="{214EE42E-9E9E-6E79-26DA-47D319D62795}"/>
+              </a:ext>
+            </a:extLst>
+          </p:cNvPr>
+          <p:cNvPicPr>
+            <a:picLocks noChangeAspect="1"/>
+          </p:cNvPicPr>
+          <p:nvPr/>
+        </p:nvPicPr>
+        <p:blipFill>
+          <a:blip r:embed="rId2"/>
+          <a:stretch>
+            <a:fillRect/>
+          </a:stretch>
+        </p:blipFill>
+        <p:spPr>
+          <a:xfrm>
+            <a:off x="1049025" y="332513"/>
+            <a:ext cx="7404100" cy="5549900"/>
+          </a:xfrm>
+          <a:prstGeom prst="rect">
+            <a:avLst/>
+          </a:prstGeom>
+        </p:spPr>
+      </p:pic>
+      <p:sp>
+        <p:nvSpPr>
+          <p:cNvPr id="11" name="Rounded Rectangle 10">
+            <a:extLst>
+              <a:ext uri="{FF2B5EF4-FFF2-40B4-BE49-F238E27FC236}">
+                <a16:creationId xmlns:a16="http://schemas.microsoft.com/office/drawing/2014/main" id="{412FDC85-76EA-3744-8D98-3D1C7AB7F9F9}"/>
+              </a:ext>
+            </a:extLst>
+          </p:cNvPr>
+          <p:cNvSpPr/>
+          <p:nvPr/>
+        </p:nvSpPr>
+        <p:spPr>
+          <a:xfrm>
+            <a:off x="952131" y="5530444"/>
+            <a:ext cx="2314937" cy="868101"/>
+          </a:xfrm>
+          <a:prstGeom prst="roundRect">
+            <a:avLst/>
+          </a:prstGeom>
+        </p:spPr>
+        <p:style>
+          <a:lnRef idx="1">
+            <a:schemeClr val="accent1"/>
+          </a:lnRef>
+          <a:fillRef idx="3">
+            <a:schemeClr val="accent1"/>
+          </a:fillRef>
+          <a:effectRef idx="2">
+            <a:schemeClr val="accent1"/>
+          </a:effectRef>
+          <a:fontRef idx="minor">
+            <a:schemeClr val="lt1"/>
+          </a:fontRef>
+        </p:style>
+        <p:txBody>
+          <a:bodyPr rtlCol="0" anchor="ctr"/>
+          <a:lstStyle/>
+          <a:p>
+            <a:pPr algn="ctr"/>
+            <a:endParaRPr lang="en-US"/>
+          </a:p>
+        </p:txBody>
+      </p:sp>
+      <p:sp>
+        <p:nvSpPr>
+          <p:cNvPr id="8" name="Rectangle 7">
+            <a:extLst>
+              <a:ext uri="{FF2B5EF4-FFF2-40B4-BE49-F238E27FC236}">
+                <a16:creationId xmlns:a16="http://schemas.microsoft.com/office/drawing/2014/main" id="{5B490112-3A8D-304E-B84E-104559658F58}"/>
+              </a:ext>
+            </a:extLst>
+          </p:cNvPr>
+          <p:cNvSpPr/>
+          <p:nvPr/>
+        </p:nvSpPr>
+        <p:spPr>
+          <a:xfrm>
+            <a:off x="7779657" y="391886"/>
+            <a:ext cx="769257" cy="5776685"/>
+          </a:xfrm>
+          <a:prstGeom prst="rect">
+            <a:avLst/>
+          </a:prstGeom>
+          <a:solidFill>
+            <a:schemeClr val="bg1"/>
+          </a:solidFill>
+          <a:ln>
+            <a:noFill/>
+          </a:ln>
+          <a:effectLst/>
+        </p:spPr>
+        <p:style>
+          <a:lnRef idx="1">
+            <a:schemeClr val="accent1"/>
+          </a:lnRef>
+          <a:fillRef idx="3">
+            <a:schemeClr val="accent1"/>
+          </a:fillRef>
+          <a:effectRef idx="2">
+            <a:schemeClr val="accent1"/>
+          </a:effectRef>
+          <a:fontRef idx="minor">
+            <a:schemeClr val="lt1"/>
+          </a:fontRef>
+        </p:style>
+        <p:txBody>
+          <a:bodyPr rtlCol="0" anchor="ctr"/>
+          <a:lstStyle/>
+          <a:p>
+            <a:pPr algn="ctr"/>
+            <a:endParaRPr lang="en-US"/>
+          </a:p>
+        </p:txBody>
+      </p:sp>
+      <p:pic>
+        <p:nvPicPr>
+          <p:cNvPr id="10" name="Picture 9">
+            <a:extLst>
+              <a:ext uri="{FF2B5EF4-FFF2-40B4-BE49-F238E27FC236}">
+                <a16:creationId xmlns:a16="http://schemas.microsoft.com/office/drawing/2014/main" id="{1FDD0BA9-28CA-854F-BAD0-95F27B5E28F6}"/>
+              </a:ext>
+            </a:extLst>
+          </p:cNvPr>
+          <p:cNvPicPr>
+            <a:picLocks noChangeAspect="1"/>
+          </p:cNvPicPr>
+          <p:nvPr/>
+        </p:nvPicPr>
+        <p:blipFill>
+          <a:blip r:embed="rId3"/>
+          <a:stretch>
+            <a:fillRect/>
+          </a:stretch>
+        </p:blipFill>
+        <p:spPr>
+          <a:xfrm>
+            <a:off x="1205647" y="5783799"/>
+            <a:ext cx="1854200" cy="355600"/>
+          </a:xfrm>
+          <a:prstGeom prst="rect">
+            <a:avLst/>
+          </a:prstGeom>
+        </p:spPr>
+      </p:pic>
+      <p:sp>
+        <p:nvSpPr>
+          <p:cNvPr id="12" name="TextBox 11">
+            <a:extLst>
+              <a:ext uri="{FF2B5EF4-FFF2-40B4-BE49-F238E27FC236}">
+                <a16:creationId xmlns:a16="http://schemas.microsoft.com/office/drawing/2014/main" id="{A26ABB56-FE2D-144F-B343-0ACEA71CF24D}"/>
+              </a:ext>
+            </a:extLst>
+          </p:cNvPr>
+          <p:cNvSpPr txBox="1"/>
+          <p:nvPr/>
+        </p:nvSpPr>
+        <p:spPr>
+          <a:xfrm>
+            <a:off x="4074289" y="5771265"/>
+            <a:ext cx="3705368" cy="523220"/>
+          </a:xfrm>
+          <a:prstGeom prst="rect">
+            <a:avLst/>
+          </a:prstGeom>
+          <a:noFill/>
+        </p:spPr>
+        <p:txBody>
+          <a:bodyPr wrap="square" rtlCol="0">
+            <a:spAutoFit/>
+          </a:bodyPr>
+          <a:lstStyle/>
+          <a:p>
+            <a:r>
+              <a:rPr lang="en-US" sz="2800" dirty="0">
+                <a:solidFill>
+                  <a:srgbClr val="FF0000"/>
+                </a:solidFill>
+              </a:rPr>
+              <a:t>Only node is stable</a:t>
+            </a:r>
+          </a:p>
+        </p:txBody>
+      </p:sp>
+      <p:sp>
+        <p:nvSpPr>
+          <p:cNvPr id="2" name="5-point Star 1">
+            <a:extLst>
+              <a:ext uri="{FF2B5EF4-FFF2-40B4-BE49-F238E27FC236}">
+                <a16:creationId xmlns:a16="http://schemas.microsoft.com/office/drawing/2014/main" id="{D005AA55-090F-7B2E-BBB3-C81E57A1D24C}"/>
+              </a:ext>
+            </a:extLst>
+          </p:cNvPr>
+          <p:cNvSpPr/>
+          <p:nvPr/>
+        </p:nvSpPr>
+        <p:spPr>
+          <a:xfrm>
+            <a:off x="2873831" y="83132"/>
+            <a:ext cx="356260" cy="369332"/>
+          </a:xfrm>
+          <a:prstGeom prst="star5">
+            <a:avLst/>
+          </a:prstGeom>
+        </p:spPr>
+        <p:style>
+          <a:lnRef idx="1">
+            <a:schemeClr val="accent1"/>
+          </a:lnRef>
+          <a:fillRef idx="3">
+            <a:schemeClr val="accent1"/>
+          </a:fillRef>
+          <a:effectRef idx="2">
+            <a:schemeClr val="accent1"/>
+          </a:effectRef>
+          <a:fontRef idx="minor">
+            <a:schemeClr val="lt1"/>
+          </a:fontRef>
+        </p:style>
+        <p:txBody>
+          <a:bodyPr rtlCol="0" anchor="ctr"/>
+          <a:lstStyle/>
+          <a:p>
+            <a:pPr algn="ctr"/>
+            <a:endParaRPr lang="en-US"/>
+          </a:p>
+        </p:txBody>
+      </p:sp>
+      <p:sp>
+        <p:nvSpPr>
+          <p:cNvPr id="3" name="TextBox 2">
+            <a:extLst>
+              <a:ext uri="{FF2B5EF4-FFF2-40B4-BE49-F238E27FC236}">
+                <a16:creationId xmlns:a16="http://schemas.microsoft.com/office/drawing/2014/main" id="{C45B121B-FADF-7D8E-2803-20897EFDD707}"/>
+              </a:ext>
+            </a:extLst>
+          </p:cNvPr>
+          <p:cNvSpPr txBox="1"/>
+          <p:nvPr/>
+        </p:nvSpPr>
+        <p:spPr>
+          <a:xfrm>
+            <a:off x="1425041" y="130630"/>
+            <a:ext cx="1935678" cy="369332"/>
+          </a:xfrm>
+          <a:prstGeom prst="rect">
+            <a:avLst/>
+          </a:prstGeom>
+          <a:noFill/>
+        </p:spPr>
+        <p:txBody>
+          <a:bodyPr wrap="square" rtlCol="0">
+            <a:spAutoFit/>
+          </a:bodyPr>
+          <a:lstStyle/>
+          <a:p>
+            <a:r>
+              <a:rPr lang="en-US" dirty="0">
+                <a:solidFill>
+                  <a:srgbClr val="FF0000"/>
+                </a:solidFill>
+              </a:rPr>
+              <a:t>Stable node</a:t>
+            </a:r>
+          </a:p>
+        </p:txBody>
+      </p:sp>
+    </p:spTree>
+    <p:extLst>
+      <p:ext uri="{BB962C8B-B14F-4D97-AF65-F5344CB8AC3E}">
+        <p14:creationId xmlns:p14="http://schemas.microsoft.com/office/powerpoint/2010/main" val="2755980389"/>
+      </p:ext>
+    </p:extLst>
+  </p:cSld>
+  <p:clrMapOvr>
+    <a:masterClrMapping/>
+  </p:clrMapOvr>
+</p:sld>
+</file>
+
+<file path=ppt/slides/slide8.xml><?xml version="1.0" encoding="utf-8"?>
+<p:sld xmlns:a="http://schemas.openxmlformats.org/drawingml/2006/main" xmlns:r="http://schemas.openxmlformats.org/officeDocument/2006/relationships" xmlns:p="http://schemas.openxmlformats.org/presentationml/2006/main">
+  <p:cSld>
+    <p:spTree>
+      <p:nvGrpSpPr>
+        <p:cNvPr id="1" name=""/>
+        <p:cNvGrpSpPr/>
+        <p:nvPr/>
+      </p:nvGrpSpPr>
+      <p:grpSpPr>
+        <a:xfrm>
+          <a:off x="0" y="0"/>
+          <a:ext cx="0" cy="0"/>
+          <a:chOff x="0" y="0"/>
+          <a:chExt cx="0" cy="0"/>
+        </a:xfrm>
+      </p:grpSpPr>
+      <p:pic>
+        <p:nvPicPr>
+          <p:cNvPr id="5" name="Picture 4">
+            <a:extLst>
+              <a:ext uri="{FF2B5EF4-FFF2-40B4-BE49-F238E27FC236}">
+                <a16:creationId xmlns:a16="http://schemas.microsoft.com/office/drawing/2014/main" id="{BCE172E5-8C47-6F45-8F3B-54A2125E60C4}"/>
+              </a:ext>
+            </a:extLst>
+          </p:cNvPr>
+          <p:cNvPicPr>
+            <a:picLocks noChangeAspect="1"/>
+          </p:cNvPicPr>
+          <p:nvPr/>
+        </p:nvPicPr>
+        <p:blipFill>
+          <a:blip r:embed="rId2"/>
+          <a:stretch>
+            <a:fillRect/>
+          </a:stretch>
+        </p:blipFill>
+        <p:spPr>
+          <a:xfrm>
+            <a:off x="977875" y="1468546"/>
+            <a:ext cx="6746054" cy="5377879"/>
+          </a:xfrm>
+          <a:prstGeom prst="rect">
+            <a:avLst/>
+          </a:prstGeom>
+        </p:spPr>
+      </p:pic>
+      <p:sp>
+        <p:nvSpPr>
+          <p:cNvPr id="6" name="Rectangle 5">
+            <a:extLst>
+              <a:ext uri="{FF2B5EF4-FFF2-40B4-BE49-F238E27FC236}">
+                <a16:creationId xmlns:a16="http://schemas.microsoft.com/office/drawing/2014/main" id="{64A51EBA-CFC7-1046-884E-1CC258EB2C2D}"/>
+              </a:ext>
+            </a:extLst>
+          </p:cNvPr>
+          <p:cNvSpPr/>
+          <p:nvPr/>
+        </p:nvSpPr>
+        <p:spPr>
+          <a:xfrm>
+            <a:off x="4082372" y="6280276"/>
+            <a:ext cx="870857" cy="653143"/>
+          </a:xfrm>
+          <a:prstGeom prst="rect">
+            <a:avLst/>
+          </a:prstGeom>
+          <a:solidFill>
+            <a:schemeClr val="bg1"/>
+          </a:solidFill>
+          <a:ln>
+            <a:noFill/>
+          </a:ln>
+          <a:effectLst/>
+        </p:spPr>
+        <p:style>
+          <a:lnRef idx="1">
+            <a:schemeClr val="accent1"/>
+          </a:lnRef>
+          <a:fillRef idx="3">
+            <a:schemeClr val="accent1"/>
+          </a:fillRef>
+          <a:effectRef idx="2">
+            <a:schemeClr val="accent1"/>
+          </a:effectRef>
+          <a:fontRef idx="minor">
+            <a:schemeClr val="lt1"/>
+          </a:fontRef>
+        </p:style>
+        <p:txBody>
+          <a:bodyPr rtlCol="0" anchor="ctr"/>
+          <a:lstStyle/>
+          <a:p>
+            <a:pPr algn="ctr"/>
+            <a:endParaRPr lang="en-US"/>
+          </a:p>
+        </p:txBody>
+      </p:sp>
+      <p:sp>
+        <p:nvSpPr>
+          <p:cNvPr id="7" name="Rectangle 6">
+            <a:extLst>
+              <a:ext uri="{FF2B5EF4-FFF2-40B4-BE49-F238E27FC236}">
+                <a16:creationId xmlns:a16="http://schemas.microsoft.com/office/drawing/2014/main" id="{DD7CE4F3-366E-FF4D-B29B-EA882A44B5B4}"/>
+              </a:ext>
+            </a:extLst>
+          </p:cNvPr>
+          <p:cNvSpPr/>
+          <p:nvPr/>
+        </p:nvSpPr>
+        <p:spPr>
+          <a:xfrm>
+            <a:off x="542447" y="3272787"/>
+            <a:ext cx="870857" cy="653143"/>
+          </a:xfrm>
+          <a:prstGeom prst="rect">
+            <a:avLst/>
+          </a:prstGeom>
+          <a:solidFill>
+            <a:schemeClr val="bg1"/>
+          </a:solidFill>
+          <a:ln>
+            <a:noFill/>
+          </a:ln>
+          <a:effectLst/>
+        </p:spPr>
+        <p:style>
+          <a:lnRef idx="1">
+            <a:schemeClr val="accent1"/>
+          </a:lnRef>
+          <a:fillRef idx="3">
+            <a:schemeClr val="accent1"/>
+          </a:fillRef>
+          <a:effectRef idx="2">
+            <a:schemeClr val="accent1"/>
+          </a:effectRef>
+          <a:fontRef idx="minor">
+            <a:schemeClr val="lt1"/>
+          </a:fontRef>
+        </p:style>
+        <p:txBody>
+          <a:bodyPr rtlCol="0" anchor="ctr"/>
+          <a:lstStyle/>
+          <a:p>
+            <a:pPr algn="ctr"/>
+            <a:endParaRPr lang="en-US"/>
+          </a:p>
+        </p:txBody>
+      </p:sp>
+      <p:sp>
+        <p:nvSpPr>
+          <p:cNvPr id="9" name="TextBox 8">
+            <a:extLst>
+              <a:ext uri="{FF2B5EF4-FFF2-40B4-BE49-F238E27FC236}">
+                <a16:creationId xmlns:a16="http://schemas.microsoft.com/office/drawing/2014/main" id="{2309A276-6007-244A-9378-8FDA8BD9D3D5}"/>
+              </a:ext>
+            </a:extLst>
+          </p:cNvPr>
+          <p:cNvSpPr txBox="1"/>
+          <p:nvPr/>
+        </p:nvSpPr>
+        <p:spPr>
+          <a:xfrm>
+            <a:off x="185195" y="3275635"/>
+            <a:ext cx="1724628" cy="523220"/>
+          </a:xfrm>
+          <a:prstGeom prst="rect">
+            <a:avLst/>
+          </a:prstGeom>
+          <a:noFill/>
+        </p:spPr>
+        <p:txBody>
+          <a:bodyPr wrap="square" rtlCol="0">
+            <a:spAutoFit/>
+          </a:bodyPr>
+          <a:lstStyle/>
+          <a:p>
+            <a:r>
+              <a:rPr lang="en-US" sz="2800" dirty="0">
+                <a:solidFill>
+                  <a:schemeClr val="accent1"/>
+                </a:solidFill>
+              </a:rPr>
+              <a:t>V = T - S</a:t>
+            </a:r>
+          </a:p>
+        </p:txBody>
+      </p:sp>
+      <p:sp>
+        <p:nvSpPr>
+          <p:cNvPr id="10" name="TextBox 9">
+            <a:extLst>
+              <a:ext uri="{FF2B5EF4-FFF2-40B4-BE49-F238E27FC236}">
+                <a16:creationId xmlns:a16="http://schemas.microsoft.com/office/drawing/2014/main" id="{EC9A012A-F94A-B84F-B048-5A0BC556D404}"/>
+              </a:ext>
+            </a:extLst>
+          </p:cNvPr>
+          <p:cNvSpPr txBox="1"/>
+          <p:nvPr/>
+        </p:nvSpPr>
+        <p:spPr>
+          <a:xfrm>
+            <a:off x="5891515" y="3426106"/>
+            <a:ext cx="1574157" cy="369332"/>
+          </a:xfrm>
+          <a:prstGeom prst="rect">
+            <a:avLst/>
+          </a:prstGeom>
+          <a:noFill/>
+        </p:spPr>
+        <p:txBody>
+          <a:bodyPr wrap="square" rtlCol="0">
+            <a:spAutoFit/>
+          </a:bodyPr>
+          <a:lstStyle/>
+          <a:p>
+            <a:r>
+              <a:rPr lang="en-US" dirty="0">
+                <a:solidFill>
+                  <a:srgbClr val="00B0F0"/>
+                </a:solidFill>
+              </a:rPr>
+              <a:t>Saddle-Node</a:t>
+            </a:r>
+          </a:p>
+        </p:txBody>
+      </p:sp>
+      <p:sp>
+        <p:nvSpPr>
+          <p:cNvPr id="11" name="TextBox 10">
+            <a:extLst>
+              <a:ext uri="{FF2B5EF4-FFF2-40B4-BE49-F238E27FC236}">
+                <a16:creationId xmlns:a16="http://schemas.microsoft.com/office/drawing/2014/main" id="{025A7616-C606-3440-A774-C3134DD906A0}"/>
+              </a:ext>
+            </a:extLst>
+          </p:cNvPr>
+          <p:cNvSpPr txBox="1"/>
+          <p:nvPr/>
+        </p:nvSpPr>
+        <p:spPr>
+          <a:xfrm>
+            <a:off x="5089368" y="2210766"/>
+            <a:ext cx="1299856" cy="369332"/>
+          </a:xfrm>
+          <a:prstGeom prst="rect">
+            <a:avLst/>
+          </a:prstGeom>
+          <a:noFill/>
+        </p:spPr>
+        <p:txBody>
+          <a:bodyPr wrap="square" rtlCol="0">
+            <a:spAutoFit/>
+          </a:bodyPr>
+          <a:lstStyle/>
+          <a:p>
+            <a:r>
+              <a:rPr lang="en-US" dirty="0"/>
+              <a:t>Node</a:t>
+            </a:r>
+          </a:p>
+        </p:txBody>
+      </p:sp>
+      <p:sp>
+        <p:nvSpPr>
+          <p:cNvPr id="12" name="TextBox 11">
+            <a:extLst>
+              <a:ext uri="{FF2B5EF4-FFF2-40B4-BE49-F238E27FC236}">
+                <a16:creationId xmlns:a16="http://schemas.microsoft.com/office/drawing/2014/main" id="{E3DAAE2D-BBCE-C548-9342-ECCF0DE4302B}"/>
+              </a:ext>
+            </a:extLst>
+          </p:cNvPr>
+          <p:cNvSpPr txBox="1"/>
+          <p:nvPr/>
+        </p:nvSpPr>
+        <p:spPr>
+          <a:xfrm>
+            <a:off x="5197033" y="4076402"/>
+            <a:ext cx="1493133" cy="369332"/>
+          </a:xfrm>
+          <a:prstGeom prst="rect">
+            <a:avLst/>
+          </a:prstGeom>
+          <a:noFill/>
+        </p:spPr>
+        <p:txBody>
+          <a:bodyPr wrap="square" rtlCol="0">
+            <a:spAutoFit/>
+          </a:bodyPr>
+          <a:lstStyle/>
+          <a:p>
+            <a:r>
+              <a:rPr lang="en-US" dirty="0"/>
+              <a:t>Saddle</a:t>
+            </a:r>
+          </a:p>
+        </p:txBody>
+      </p:sp>
+      <p:sp>
+        <p:nvSpPr>
+          <p:cNvPr id="13" name="TextBox 12">
+            <a:extLst>
+              <a:ext uri="{FF2B5EF4-FFF2-40B4-BE49-F238E27FC236}">
+                <a16:creationId xmlns:a16="http://schemas.microsoft.com/office/drawing/2014/main" id="{0E05B307-5F8D-B043-990C-8CAE4180AE2E}"/>
+              </a:ext>
+            </a:extLst>
+          </p:cNvPr>
+          <p:cNvSpPr txBox="1"/>
+          <p:nvPr/>
+        </p:nvSpPr>
+        <p:spPr>
+          <a:xfrm>
+            <a:off x="5228269" y="5266483"/>
+            <a:ext cx="1739692" cy="369332"/>
+          </a:xfrm>
+          <a:prstGeom prst="rect">
+            <a:avLst/>
+          </a:prstGeom>
+          <a:noFill/>
+        </p:spPr>
+        <p:txBody>
+          <a:bodyPr wrap="square" rtlCol="0">
+            <a:spAutoFit/>
+          </a:bodyPr>
+          <a:lstStyle/>
+          <a:p>
+            <a:r>
+              <a:rPr lang="en-US" dirty="0"/>
+              <a:t>Focus</a:t>
+            </a:r>
+          </a:p>
+        </p:txBody>
+      </p:sp>
+      <p:sp>
+        <p:nvSpPr>
+          <p:cNvPr id="14" name="TextBox 13">
+            <a:extLst>
+              <a:ext uri="{FF2B5EF4-FFF2-40B4-BE49-F238E27FC236}">
+                <a16:creationId xmlns:a16="http://schemas.microsoft.com/office/drawing/2014/main" id="{6F10C73A-354A-BA4B-B93F-A75692058031}"/>
+              </a:ext>
+            </a:extLst>
+          </p:cNvPr>
+          <p:cNvSpPr txBox="1"/>
+          <p:nvPr/>
+        </p:nvSpPr>
+        <p:spPr>
+          <a:xfrm>
+            <a:off x="3192808" y="4158687"/>
+            <a:ext cx="2514823" cy="400110"/>
+          </a:xfrm>
+          <a:prstGeom prst="rect">
+            <a:avLst/>
+          </a:prstGeom>
+          <a:noFill/>
+        </p:spPr>
+        <p:txBody>
+          <a:bodyPr wrap="square" rtlCol="0">
+            <a:spAutoFit/>
+          </a:bodyPr>
+          <a:lstStyle/>
+          <a:p>
+            <a:r>
+              <a:rPr lang="en-US" sz="2000" dirty="0">
+                <a:solidFill>
+                  <a:srgbClr val="00B0F0"/>
+                </a:solidFill>
+              </a:rPr>
+              <a:t>Non-smooth fold</a:t>
+            </a:r>
+          </a:p>
+        </p:txBody>
+      </p:sp>
+      <p:sp>
+        <p:nvSpPr>
+          <p:cNvPr id="15" name="Rectangle 14">
+            <a:extLst>
+              <a:ext uri="{FF2B5EF4-FFF2-40B4-BE49-F238E27FC236}">
+                <a16:creationId xmlns:a16="http://schemas.microsoft.com/office/drawing/2014/main" id="{2CB608E6-C83F-4149-9423-656A1CB3E6F9}"/>
+              </a:ext>
+            </a:extLst>
+          </p:cNvPr>
+          <p:cNvSpPr/>
+          <p:nvPr/>
+        </p:nvSpPr>
+        <p:spPr>
+          <a:xfrm>
+            <a:off x="2776361" y="5008994"/>
+            <a:ext cx="870857" cy="653143"/>
+          </a:xfrm>
+          <a:prstGeom prst="rect">
+            <a:avLst/>
+          </a:prstGeom>
+          <a:solidFill>
+            <a:schemeClr val="bg1"/>
+          </a:solidFill>
+          <a:ln>
+            <a:noFill/>
+          </a:ln>
+          <a:effectLst/>
+        </p:spPr>
+        <p:style>
+          <a:lnRef idx="1">
+            <a:schemeClr val="accent1"/>
+          </a:lnRef>
+          <a:fillRef idx="3">
+            <a:schemeClr val="accent1"/>
+          </a:fillRef>
+          <a:effectRef idx="2">
+            <a:schemeClr val="accent1"/>
+          </a:effectRef>
+          <a:fontRef idx="minor">
+            <a:schemeClr val="lt1"/>
+          </a:fontRef>
+        </p:style>
+        <p:txBody>
+          <a:bodyPr rtlCol="0" anchor="ctr"/>
+          <a:lstStyle/>
+          <a:p>
+            <a:pPr algn="ctr"/>
+            <a:endParaRPr lang="en-US"/>
+          </a:p>
+        </p:txBody>
+      </p:sp>
+      <p:sp>
+        <p:nvSpPr>
+          <p:cNvPr id="16" name="Rectangle 15">
+            <a:extLst>
+              <a:ext uri="{FF2B5EF4-FFF2-40B4-BE49-F238E27FC236}">
+                <a16:creationId xmlns:a16="http://schemas.microsoft.com/office/drawing/2014/main" id="{A32AD190-05A9-E74A-8C0C-05462555CC28}"/>
+              </a:ext>
+            </a:extLst>
+          </p:cNvPr>
+          <p:cNvSpPr/>
+          <p:nvPr/>
+        </p:nvSpPr>
+        <p:spPr>
+          <a:xfrm>
+            <a:off x="6366438" y="2198278"/>
+            <a:ext cx="870857" cy="653143"/>
+          </a:xfrm>
+          <a:prstGeom prst="rect">
+            <a:avLst/>
+          </a:prstGeom>
+          <a:solidFill>
+            <a:schemeClr val="bg1"/>
+          </a:solidFill>
+          <a:ln>
+            <a:noFill/>
+          </a:ln>
+          <a:effectLst/>
+        </p:spPr>
+        <p:style>
+          <a:lnRef idx="1">
+            <a:schemeClr val="accent1"/>
+          </a:lnRef>
+          <a:fillRef idx="3">
+            <a:schemeClr val="accent1"/>
+          </a:fillRef>
+          <a:effectRef idx="2">
+            <a:schemeClr val="accent1"/>
+          </a:effectRef>
+          <a:fontRef idx="minor">
+            <a:schemeClr val="lt1"/>
+          </a:fontRef>
+        </p:style>
+        <p:txBody>
+          <a:bodyPr rtlCol="0" anchor="ctr"/>
+          <a:lstStyle/>
+          <a:p>
+            <a:pPr algn="ctr"/>
+            <a:endParaRPr lang="en-US"/>
+          </a:p>
+        </p:txBody>
+      </p:sp>
+      <p:sp>
+        <p:nvSpPr>
+          <p:cNvPr id="17" name="Rectangle 16">
+            <a:extLst>
+              <a:ext uri="{FF2B5EF4-FFF2-40B4-BE49-F238E27FC236}">
+                <a16:creationId xmlns:a16="http://schemas.microsoft.com/office/drawing/2014/main" id="{101391A5-6588-E548-9CA4-40B7D89573E0}"/>
+              </a:ext>
+            </a:extLst>
+          </p:cNvPr>
+          <p:cNvSpPr/>
+          <p:nvPr/>
+        </p:nvSpPr>
+        <p:spPr>
+          <a:xfrm>
+            <a:off x="6255151" y="5430878"/>
+            <a:ext cx="569089" cy="453014"/>
+          </a:xfrm>
+          <a:prstGeom prst="rect">
+            <a:avLst/>
+          </a:prstGeom>
+          <a:solidFill>
+            <a:schemeClr val="bg1"/>
+          </a:solidFill>
+          <a:ln>
+            <a:noFill/>
+          </a:ln>
+          <a:effectLst/>
+        </p:spPr>
+        <p:style>
+          <a:lnRef idx="1">
+            <a:schemeClr val="accent1"/>
+          </a:lnRef>
+          <a:fillRef idx="3">
+            <a:schemeClr val="accent1"/>
+          </a:fillRef>
+          <a:effectRef idx="2">
+            <a:schemeClr val="accent1"/>
+          </a:effectRef>
+          <a:fontRef idx="minor">
+            <a:schemeClr val="lt1"/>
+          </a:fontRef>
+        </p:style>
+        <p:txBody>
+          <a:bodyPr rtlCol="0" anchor="ctr"/>
+          <a:lstStyle/>
+          <a:p>
+            <a:pPr algn="ctr"/>
+            <a:endParaRPr lang="en-US"/>
+          </a:p>
+        </p:txBody>
+      </p:sp>
+      <p:sp>
+        <p:nvSpPr>
+          <p:cNvPr id="2" name="TextBox 1">
+            <a:extLst>
+              <a:ext uri="{FF2B5EF4-FFF2-40B4-BE49-F238E27FC236}">
+                <a16:creationId xmlns:a16="http://schemas.microsoft.com/office/drawing/2014/main" id="{B52E89F5-366F-8E41-85D4-F71BCEEA4506}"/>
+              </a:ext>
+            </a:extLst>
+          </p:cNvPr>
+          <p:cNvSpPr txBox="1"/>
+          <p:nvPr/>
+        </p:nvSpPr>
+        <p:spPr>
+          <a:xfrm>
+            <a:off x="3055716" y="2835799"/>
+            <a:ext cx="1897513" cy="461665"/>
+          </a:xfrm>
+          <a:prstGeom prst="rect">
+            <a:avLst/>
+          </a:prstGeom>
+          <a:noFill/>
+        </p:spPr>
+        <p:txBody>
+          <a:bodyPr wrap="square" rtlCol="0">
+            <a:spAutoFit/>
+          </a:bodyPr>
+          <a:lstStyle/>
+          <a:p>
+            <a:r>
+              <a:rPr lang="en-US" sz="2400" dirty="0">
+                <a:solidFill>
+                  <a:srgbClr val="7030A0"/>
+                </a:solidFill>
+              </a:rPr>
+              <a:t>NSF-Tipping</a:t>
+            </a:r>
+          </a:p>
+        </p:txBody>
+      </p:sp>
+      <p:sp>
+        <p:nvSpPr>
+          <p:cNvPr id="3" name="TextBox 2">
+            <a:extLst>
+              <a:ext uri="{FF2B5EF4-FFF2-40B4-BE49-F238E27FC236}">
+                <a16:creationId xmlns:a16="http://schemas.microsoft.com/office/drawing/2014/main" id="{4D1ABF97-DC15-2147-90C3-293C75D7D617}"/>
+              </a:ext>
+            </a:extLst>
+          </p:cNvPr>
+          <p:cNvSpPr txBox="1"/>
+          <p:nvPr/>
+        </p:nvSpPr>
+        <p:spPr>
+          <a:xfrm>
+            <a:off x="285455" y="104169"/>
+            <a:ext cx="9107927" cy="523220"/>
+          </a:xfrm>
+          <a:prstGeom prst="rect">
+            <a:avLst/>
+          </a:prstGeom>
+          <a:noFill/>
+        </p:spPr>
+        <p:txBody>
+          <a:bodyPr wrap="square" rtlCol="0">
+            <a:spAutoFit/>
+          </a:bodyPr>
+          <a:lstStyle/>
+          <a:p>
+            <a:r>
+              <a:rPr lang="en-US" sz="2800" dirty="0">
+                <a:solidFill>
+                  <a:srgbClr val="7030A0"/>
+                </a:solidFill>
+              </a:rPr>
+              <a:t>Tipping close to the non-smooth fold for slowly varying  </a:t>
+            </a:r>
+          </a:p>
+        </p:txBody>
+      </p:sp>
+      <p:pic>
+        <p:nvPicPr>
+          <p:cNvPr id="20" name="Picture 19">
+            <a:extLst>
+              <a:ext uri="{FF2B5EF4-FFF2-40B4-BE49-F238E27FC236}">
+                <a16:creationId xmlns:a16="http://schemas.microsoft.com/office/drawing/2014/main" id="{C3447198-7B18-954C-BF27-045ED4E18741}"/>
+              </a:ext>
+            </a:extLst>
+          </p:cNvPr>
+          <p:cNvPicPr>
+            <a:picLocks noChangeAspect="1"/>
+          </p:cNvPicPr>
+          <p:nvPr/>
+        </p:nvPicPr>
+        <p:blipFill>
+          <a:blip r:embed="rId3"/>
+          <a:stretch>
+            <a:fillRect/>
+          </a:stretch>
+        </p:blipFill>
+        <p:spPr>
+          <a:xfrm>
+            <a:off x="1619250" y="751791"/>
+            <a:ext cx="5905500" cy="469900"/>
+          </a:xfrm>
+          <a:prstGeom prst="rect">
+            <a:avLst/>
+          </a:prstGeom>
+        </p:spPr>
+      </p:pic>
+      <p:pic>
+        <p:nvPicPr>
+          <p:cNvPr id="21" name="Picture 20">
+            <a:extLst>
+              <a:ext uri="{FF2B5EF4-FFF2-40B4-BE49-F238E27FC236}">
+                <a16:creationId xmlns:a16="http://schemas.microsoft.com/office/drawing/2014/main" id="{5B2DC92A-C615-4948-8177-39D44C6B46BA}"/>
+              </a:ext>
+            </a:extLst>
+          </p:cNvPr>
+          <p:cNvPicPr>
+            <a:picLocks noChangeAspect="1"/>
+          </p:cNvPicPr>
+          <p:nvPr/>
+        </p:nvPicPr>
+        <p:blipFill>
+          <a:blip r:embed="rId4"/>
+          <a:stretch>
+            <a:fillRect/>
+          </a:stretch>
+        </p:blipFill>
+        <p:spPr>
+          <a:xfrm>
+            <a:off x="4445000" y="6129197"/>
+            <a:ext cx="254000" cy="317500"/>
+          </a:xfrm>
+          <a:prstGeom prst="rect">
+            <a:avLst/>
+          </a:prstGeom>
+        </p:spPr>
+      </p:pic>
+      <p:sp>
+        <p:nvSpPr>
+          <p:cNvPr id="4" name="TextBox 3">
+            <a:extLst>
+              <a:ext uri="{FF2B5EF4-FFF2-40B4-BE49-F238E27FC236}">
+                <a16:creationId xmlns:a16="http://schemas.microsoft.com/office/drawing/2014/main" id="{99E29A2E-BD7D-7842-AEB6-47C3BFB8B550}"/>
+              </a:ext>
+            </a:extLst>
+          </p:cNvPr>
+          <p:cNvSpPr txBox="1"/>
+          <p:nvPr/>
+        </p:nvSpPr>
+        <p:spPr>
+          <a:xfrm>
+            <a:off x="2718486" y="1724626"/>
+            <a:ext cx="2547993" cy="338554"/>
+          </a:xfrm>
+          <a:prstGeom prst="rect">
+            <a:avLst/>
+          </a:prstGeom>
+          <a:noFill/>
+        </p:spPr>
+        <p:txBody>
+          <a:bodyPr wrap="square" rtlCol="0">
+            <a:spAutoFit/>
+          </a:bodyPr>
+          <a:lstStyle/>
+          <a:p>
+            <a:r>
+              <a:rPr lang="en-US" sz="1600" i="1" dirty="0">
+                <a:solidFill>
+                  <a:srgbClr val="7030A0"/>
+                </a:solidFill>
+              </a:rPr>
+              <a:t>Temperature dominated </a:t>
+            </a:r>
+          </a:p>
+        </p:txBody>
+      </p:sp>
+      <p:sp>
+        <p:nvSpPr>
+          <p:cNvPr id="8" name="TextBox 7">
+            <a:extLst>
+              <a:ext uri="{FF2B5EF4-FFF2-40B4-BE49-F238E27FC236}">
+                <a16:creationId xmlns:a16="http://schemas.microsoft.com/office/drawing/2014/main" id="{EA730A49-FDFF-8E45-BB53-D20DADB18A6E}"/>
+              </a:ext>
+            </a:extLst>
+          </p:cNvPr>
+          <p:cNvSpPr txBox="1"/>
+          <p:nvPr/>
+        </p:nvSpPr>
+        <p:spPr>
+          <a:xfrm>
+            <a:off x="3647218" y="5554792"/>
+            <a:ext cx="2607933" cy="338554"/>
+          </a:xfrm>
+          <a:prstGeom prst="rect">
+            <a:avLst/>
+          </a:prstGeom>
+          <a:noFill/>
+        </p:spPr>
+        <p:txBody>
+          <a:bodyPr wrap="square" rtlCol="0">
+            <a:spAutoFit/>
+          </a:bodyPr>
+          <a:lstStyle/>
+          <a:p>
+            <a:r>
+              <a:rPr lang="en-US" sz="1600" i="1" dirty="0">
+                <a:solidFill>
+                  <a:srgbClr val="7030A0"/>
+                </a:solidFill>
+              </a:rPr>
+              <a:t>Salinity dominated</a:t>
+            </a:r>
+          </a:p>
+        </p:txBody>
+      </p:sp>
+    </p:spTree>
+    <p:extLst>
+      <p:ext uri="{BB962C8B-B14F-4D97-AF65-F5344CB8AC3E}">
+        <p14:creationId xmlns:p14="http://schemas.microsoft.com/office/powerpoint/2010/main" val="847505881"/>
       </p:ext>
     </p:extLst>
   </p:cSld>
@@ -12212,7 +12930,7 @@
         </p:blipFill>
         <p:spPr>
           <a:xfrm>
-            <a:off x="869950" y="654050"/>
+            <a:off x="723330" y="722332"/>
             <a:ext cx="7404100" cy="5549900"/>
           </a:xfrm>
           <a:prstGeom prst="rect">
@@ -12285,6 +13003,102 @@
                 </a:solidFill>
               </a:rPr>
               <a:t>Non-smoothness leads to more rapid tipping</a:t>
+            </a:r>
+          </a:p>
+        </p:txBody>
+      </p:sp>
+      <p:sp>
+        <p:nvSpPr>
+          <p:cNvPr id="2" name="TextBox 1">
+            <a:extLst>
+              <a:ext uri="{FF2B5EF4-FFF2-40B4-BE49-F238E27FC236}">
+                <a16:creationId xmlns:a16="http://schemas.microsoft.com/office/drawing/2014/main" id="{8F9D7581-2A6D-B700-34D0-48D8CB1DF47E}"/>
+              </a:ext>
+            </a:extLst>
+          </p:cNvPr>
+          <p:cNvSpPr txBox="1"/>
+          <p:nvPr/>
+        </p:nvSpPr>
+        <p:spPr>
+          <a:xfrm>
+            <a:off x="5403271" y="1757551"/>
+            <a:ext cx="2101934" cy="1200329"/>
+          </a:xfrm>
+          <a:prstGeom prst="rect">
+            <a:avLst/>
+          </a:prstGeom>
+          <a:noFill/>
+        </p:spPr>
+        <p:txBody>
+          <a:bodyPr wrap="square" rtlCol="0">
+            <a:spAutoFit/>
+          </a:bodyPr>
+          <a:lstStyle/>
+          <a:p>
+            <a:r>
+              <a:rPr lang="en-US" dirty="0">
+                <a:solidFill>
+                  <a:srgbClr val="0070C0"/>
+                </a:solidFill>
+              </a:rPr>
+              <a:t>SNB Tipping</a:t>
+            </a:r>
+          </a:p>
+          <a:p>
+            <a:endParaRPr lang="en-US" dirty="0"/>
+          </a:p>
+          <a:p>
+            <a:r>
+              <a:rPr lang="en-US" dirty="0"/>
+              <a:t>Temperature to salinity</a:t>
+            </a:r>
+          </a:p>
+        </p:txBody>
+      </p:sp>
+      <p:sp>
+        <p:nvSpPr>
+          <p:cNvPr id="3" name="TextBox 2">
+            <a:extLst>
+              <a:ext uri="{FF2B5EF4-FFF2-40B4-BE49-F238E27FC236}">
+                <a16:creationId xmlns:a16="http://schemas.microsoft.com/office/drawing/2014/main" id="{68ED3E71-45A9-4492-47AB-30A6A131AF8F}"/>
+              </a:ext>
+            </a:extLst>
+          </p:cNvPr>
+          <p:cNvSpPr txBox="1"/>
+          <p:nvPr/>
+        </p:nvSpPr>
+        <p:spPr>
+          <a:xfrm>
+            <a:off x="1769424" y="3918857"/>
+            <a:ext cx="1757549" cy="1200329"/>
+          </a:xfrm>
+          <a:prstGeom prst="rect">
+            <a:avLst/>
+          </a:prstGeom>
+          <a:noFill/>
+        </p:spPr>
+        <p:txBody>
+          <a:bodyPr wrap="square" rtlCol="0">
+            <a:spAutoFit/>
+          </a:bodyPr>
+          <a:lstStyle/>
+          <a:p>
+            <a:r>
+              <a:rPr lang="en-US" dirty="0">
+                <a:solidFill>
+                  <a:srgbClr val="0070C0"/>
+                </a:solidFill>
+              </a:rPr>
+              <a:t>NSF Tipping</a:t>
+            </a:r>
+          </a:p>
+          <a:p>
+            <a:endParaRPr lang="en-US" dirty="0"/>
+          </a:p>
+          <a:p>
+            <a:r>
+              <a:rPr lang="en-US" dirty="0"/>
+              <a:t>Salinity to temperature</a:t>
             </a:r>
           </a:p>
         </p:txBody>
